--- a/08_CreateTensor.pptx
+++ b/08_CreateTensor.pptx
@@ -3463,7 +3463,7 @@
                   <a:srgbClr val="FFFF00"/>
                 </a:solidFill>
               </a:rPr>
-              <a:t>8 Neural Network Programming</a:t>
+              <a:t>8 Create Tensor</a:t>
             </a:r>
             <a:endParaRPr lang="zh-TW" altLang="en-US" sz="4800" b="1" dirty="0">
               <a:solidFill>
@@ -4114,7 +4114,7 @@
                   <a:srgbClr val="FFFF00"/>
                 </a:solidFill>
               </a:rPr>
-              <a:t>8 Neural Network Programming</a:t>
+              <a:t>8 Create Tensor</a:t>
             </a:r>
             <a:endParaRPr lang="zh-TW" altLang="en-US" b="1" dirty="0">
               <a:solidFill>
@@ -4165,7 +4165,7 @@
                   <a:schemeClr val="tx1"/>
                 </a:solidFill>
               </a:rPr>
-              <a:t>Neural Network Programming</a:t>
+              <a:t>Create Tensor</a:t>
             </a:r>
           </a:p>
           <a:p>
@@ -4644,7 +4644,7 @@
                   <a:srgbClr val="FFFF00"/>
                 </a:solidFill>
               </a:rPr>
-              <a:t>8 Neural Network Programming</a:t>
+              <a:t>8 Create Tensor</a:t>
             </a:r>
             <a:endParaRPr lang="zh-TW" altLang="en-US" b="1" dirty="0">
               <a:solidFill>
@@ -5146,7 +5146,7 @@
                   <a:srgbClr val="FFFF00"/>
                 </a:solidFill>
               </a:rPr>
-              <a:t>8 Neural Network Programming</a:t>
+              <a:t>8 Create Tensor</a:t>
             </a:r>
             <a:endParaRPr lang="zh-TW" altLang="en-US" b="1" dirty="0">
               <a:solidFill>
@@ -5530,7 +5530,7 @@
                   <a:srgbClr val="FFFF00"/>
                 </a:solidFill>
               </a:rPr>
-              <a:t>8 Neural Network Programming</a:t>
+              <a:t>8 Create Tensor</a:t>
             </a:r>
             <a:endParaRPr lang="zh-TW" altLang="en-US" b="1" dirty="0">
               <a:solidFill>
@@ -6332,7 +6332,23 @@
                   <a:schemeClr val="tx1"/>
                 </a:solidFill>
               </a:rPr>
-              <a:t>These are the primary ways of creating tensor objects (instance of </a:t>
+              <a:t>These are </a:t>
+            </a:r>
+            <a:r>
+              <a:rPr lang="en-US" sz="1800">
+                <a:solidFill>
+                  <a:schemeClr val="tx1"/>
+                </a:solidFill>
+              </a:rPr>
+              <a:t>four primary </a:t>
+            </a:r>
+            <a:r>
+              <a:rPr lang="en-US" sz="1800" dirty="0">
+                <a:solidFill>
+                  <a:schemeClr val="tx1"/>
+                </a:solidFill>
+              </a:rPr>
+              <a:t>ways of creating tensor objects (instance of </a:t>
             </a:r>
             <a:r>
               <a:rPr lang="en-US" sz="1800" dirty="0" err="1">

--- a/08_CreateTensor.pptx
+++ b/08_CreateTensor.pptx
@@ -5,7 +5,7 @@
     <p:sldMasterId id="2147483648" r:id="rId1"/>
   </p:sldMasterIdLst>
   <p:notesMasterIdLst>
-    <p:notesMasterId r:id="rId13"/>
+    <p:notesMasterId r:id="rId16"/>
   </p:notesMasterIdLst>
   <p:sldIdLst>
     <p:sldId id="256" r:id="rId2"/>
@@ -18,7 +18,10 @@
     <p:sldId id="270" r:id="rId9"/>
     <p:sldId id="272" r:id="rId10"/>
     <p:sldId id="273" r:id="rId11"/>
-    <p:sldId id="259" r:id="rId12"/>
+    <p:sldId id="274" r:id="rId12"/>
+    <p:sldId id="275" r:id="rId13"/>
+    <p:sldId id="276" r:id="rId14"/>
+    <p:sldId id="259" r:id="rId15"/>
   </p:sldIdLst>
   <p:sldSz cx="9144000" cy="6858000" type="screen4x3"/>
   <p:notesSz cx="6858000" cy="9144000"/>
@@ -219,7 +222,7 @@
             <a:fld id="{6837EDA8-41C8-4B24-A206-13C08A65A6D7}" type="datetimeFigureOut">
               <a:rPr lang="zh-TW" altLang="en-US" smtClean="0"/>
               <a:pPr/>
-              <a:t>2020/5/22</a:t>
+              <a:t>2020/5/30</a:t>
             </a:fld>
             <a:endParaRPr lang="zh-TW" altLang="en-US"/>
           </a:p>
@@ -672,7 +675,7 @@
             <a:fld id="{8B85509C-BD4F-47BF-9B1E-FC2E949B3621}" type="datetime1">
               <a:rPr lang="zh-TW" altLang="en-US" smtClean="0"/>
               <a:pPr/>
-              <a:t>2020/5/22</a:t>
+              <a:t>2020/5/30</a:t>
             </a:fld>
             <a:endParaRPr lang="zh-TW" altLang="en-US"/>
           </a:p>
@@ -845,7 +848,7 @@
             <a:fld id="{42251B24-F787-4C15-8A0F-7AEC20C70069}" type="datetime1">
               <a:rPr lang="zh-TW" altLang="en-US" smtClean="0"/>
               <a:pPr/>
-              <a:t>2020/5/22</a:t>
+              <a:t>2020/5/30</a:t>
             </a:fld>
             <a:endParaRPr lang="zh-TW" altLang="en-US"/>
           </a:p>
@@ -1020,7 +1023,7 @@
             <a:fld id="{9CA0D33C-CE2B-45F1-B8D4-FFD1F131F331}" type="datetime1">
               <a:rPr lang="zh-TW" altLang="en-US" smtClean="0"/>
               <a:pPr/>
-              <a:t>2020/5/22</a:t>
+              <a:t>2020/5/30</a:t>
             </a:fld>
             <a:endParaRPr lang="zh-TW" altLang="en-US"/>
           </a:p>
@@ -1185,7 +1188,7 @@
             <a:fld id="{50B99440-D9EF-40CC-9B52-F6428D9B2C76}" type="datetime1">
               <a:rPr lang="zh-TW" altLang="en-US" smtClean="0"/>
               <a:pPr/>
-              <a:t>2020/5/22</a:t>
+              <a:t>2020/5/30</a:t>
             </a:fld>
             <a:endParaRPr lang="zh-TW" altLang="en-US"/>
           </a:p>
@@ -1427,7 +1430,7 @@
             <a:fld id="{0871BF52-5C6C-4959-8E27-CECB68D39FE4}" type="datetime1">
               <a:rPr lang="zh-TW" altLang="en-US" smtClean="0"/>
               <a:pPr/>
-              <a:t>2020/5/22</a:t>
+              <a:t>2020/5/30</a:t>
             </a:fld>
             <a:endParaRPr lang="zh-TW" altLang="en-US"/>
           </a:p>
@@ -1709,7 +1712,7 @@
             <a:fld id="{DF863F05-2DD9-4EB1-A827-12FD992DE9DC}" type="datetime1">
               <a:rPr lang="zh-TW" altLang="en-US" smtClean="0"/>
               <a:pPr/>
-              <a:t>2020/5/22</a:t>
+              <a:t>2020/5/30</a:t>
             </a:fld>
             <a:endParaRPr lang="zh-TW" altLang="en-US"/>
           </a:p>
@@ -2125,7 +2128,7 @@
             <a:fld id="{6339AF51-4491-4873-A096-75DB6CE47516}" type="datetime1">
               <a:rPr lang="zh-TW" altLang="en-US" smtClean="0"/>
               <a:pPr/>
-              <a:t>2020/5/22</a:t>
+              <a:t>2020/5/30</a:t>
             </a:fld>
             <a:endParaRPr lang="zh-TW" altLang="en-US"/>
           </a:p>
@@ -2239,7 +2242,7 @@
             <a:fld id="{EE4AD9C8-8B9E-40FF-ABE2-858AC2057BBB}" type="datetime1">
               <a:rPr lang="zh-TW" altLang="en-US" smtClean="0"/>
               <a:pPr/>
-              <a:t>2020/5/22</a:t>
+              <a:t>2020/5/30</a:t>
             </a:fld>
             <a:endParaRPr lang="zh-TW" altLang="en-US"/>
           </a:p>
@@ -2331,7 +2334,7 @@
             <a:fld id="{B4784999-BBBE-4BE4-A8D0-877E7D1D66CC}" type="datetime1">
               <a:rPr lang="zh-TW" altLang="en-US" smtClean="0"/>
               <a:pPr/>
-              <a:t>2020/5/22</a:t>
+              <a:t>2020/5/30</a:t>
             </a:fld>
             <a:endParaRPr lang="zh-TW" altLang="en-US"/>
           </a:p>
@@ -2603,7 +2606,7 @@
             <a:fld id="{E88D17E6-02BD-4944-B9FE-7BFCCBF83D48}" type="datetime1">
               <a:rPr lang="zh-TW" altLang="en-US" smtClean="0"/>
               <a:pPr/>
-              <a:t>2020/5/22</a:t>
+              <a:t>2020/5/30</a:t>
             </a:fld>
             <a:endParaRPr lang="zh-TW" altLang="en-US"/>
           </a:p>
@@ -2852,7 +2855,7 @@
             <a:fld id="{3C13E23D-1FEF-4D78-A3A3-3D6F2BB31954}" type="datetime1">
               <a:rPr lang="zh-TW" altLang="en-US" smtClean="0"/>
               <a:pPr/>
-              <a:t>2020/5/22</a:t>
+              <a:t>2020/5/30</a:t>
             </a:fld>
             <a:endParaRPr lang="zh-TW" altLang="en-US"/>
           </a:p>
@@ -3060,7 +3063,7 @@
             <a:fld id="{06197F35-AD6F-4594-8B50-334492D2E7E8}" type="datetime1">
               <a:rPr lang="zh-TW" altLang="en-US" smtClean="0"/>
               <a:pPr/>
-              <a:t>2020/5/22</a:t>
+              <a:t>2020/5/30</a:t>
             </a:fld>
             <a:endParaRPr lang="zh-TW" altLang="en-US"/>
           </a:p>
@@ -3521,7 +3524,7 @@
             <a:fld id="{C389EDC9-19E3-47AC-9C57-C6A24DEA81AD}" type="datetime1">
               <a:rPr lang="zh-TW" altLang="en-US" smtClean="0"/>
               <a:pPr/>
-              <a:t>2020/5/22</a:t>
+              <a:t>2020/5/30</a:t>
             </a:fld>
             <a:endParaRPr lang="zh-TW" altLang="en-US"/>
           </a:p>
@@ -3827,7 +3830,7 @@
             <a:fld id="{A4F910E6-8D00-4BAF-8C48-9688E0B449D3}" type="datetime1">
               <a:rPr lang="zh-TW" altLang="en-US" smtClean="0"/>
               <a:pPr/>
-              <a:t>2020/5/22</a:t>
+              <a:t>2020/5/30</a:t>
             </a:fld>
             <a:endParaRPr lang="zh-TW" altLang="en-US"/>
           </a:p>
@@ -3937,32 +3940,9 @@
             <a:off x="0" y="2130425"/>
             <a:ext cx="9144000" cy="1470025"/>
           </a:xfrm>
-          <a:gradFill flip="none" rotWithShape="1">
-            <a:gsLst>
-              <a:gs pos="0">
-                <a:srgbClr val="00B0F0">
-                  <a:shade val="30000"/>
-                  <a:satMod val="115000"/>
-                </a:srgbClr>
-              </a:gs>
-              <a:gs pos="50000">
-                <a:srgbClr val="00B0F0">
-                  <a:shade val="67500"/>
-                  <a:satMod val="115000"/>
-                </a:srgbClr>
-              </a:gs>
-              <a:gs pos="100000">
-                <a:srgbClr val="00B0F0">
-                  <a:shade val="100000"/>
-                  <a:satMod val="115000"/>
-                </a:srgbClr>
-              </a:gs>
-            </a:gsLst>
-            <a:path path="circle">
-              <a:fillToRect t="100000" r="100000"/>
-            </a:path>
-            <a:tileRect l="-100000" b="-100000"/>
-          </a:gradFill>
+          <a:solidFill>
+            <a:srgbClr val="00B0F0"/>
+          </a:solidFill>
         </p:spPr>
         <p:txBody>
           <a:bodyPr>
@@ -3971,14 +3951,14 @@
           <a:lstStyle/>
           <a:p>
             <a:r>
-              <a:rPr lang="en-US" altLang="zh-TW" sz="6000" b="1" dirty="0">
+              <a:rPr lang="en-US" altLang="zh-TW" sz="4800" b="1" dirty="0">
                 <a:solidFill>
                   <a:srgbClr val="FFFF00"/>
                 </a:solidFill>
               </a:rPr>
-              <a:t>End of Chapter</a:t>
-            </a:r>
-            <a:endParaRPr lang="zh-TW" altLang="en-US" sz="6000" b="1" dirty="0">
+              <a:t>8.3 Quiz</a:t>
+            </a:r>
+            <a:endParaRPr lang="zh-TW" altLang="en-US" sz="4800" b="1" dirty="0">
               <a:solidFill>
                 <a:srgbClr val="FFFF00"/>
               </a:solidFill>
@@ -4001,10 +3981,10 @@
           <a:bodyPr/>
           <a:lstStyle/>
           <a:p>
-            <a:fld id="{4E46BE27-E923-4EC2-B046-3272AE2A3E5C}" type="datetime1">
+            <a:fld id="{C389EDC9-19E3-47AC-9C57-C6A24DEA81AD}" type="datetime1">
               <a:rPr lang="zh-TW" altLang="en-US" smtClean="0"/>
               <a:pPr/>
-              <a:t>2020/5/22</a:t>
+              <a:t>2020/5/30</a:t>
             </a:fld>
             <a:endParaRPr lang="zh-TW" altLang="en-US"/>
           </a:p>
@@ -4034,7 +4014,42 @@
           </a:p>
         </p:txBody>
       </p:sp>
+      <p:pic>
+        <p:nvPicPr>
+          <p:cNvPr id="7" name="Picture 6">
+            <a:extLst>
+              <a:ext uri="{FF2B5EF4-FFF2-40B4-BE49-F238E27FC236}">
+                <a16:creationId xmlns:a16="http://schemas.microsoft.com/office/drawing/2014/main" id="{6036082F-9FF3-4FD3-AAB6-79929EA80D69}"/>
+              </a:ext>
+            </a:extLst>
+          </p:cNvPr>
+          <p:cNvPicPr>
+            <a:picLocks noChangeAspect="1"/>
+          </p:cNvPicPr>
+          <p:nvPr/>
+        </p:nvPicPr>
+        <p:blipFill>
+          <a:blip r:embed="rId2"/>
+          <a:stretch>
+            <a:fillRect/>
+          </a:stretch>
+        </p:blipFill>
+        <p:spPr>
+          <a:xfrm>
+            <a:off x="3995936" y="3646102"/>
+            <a:ext cx="833859" cy="989784"/>
+          </a:xfrm>
+          <a:prstGeom prst="rect">
+            <a:avLst/>
+          </a:prstGeom>
+        </p:spPr>
+      </p:pic>
     </p:spTree>
+    <p:extLst>
+      <p:ext uri="{BB962C8B-B14F-4D97-AF65-F5344CB8AC3E}">
+        <p14:creationId xmlns:p14="http://schemas.microsoft.com/office/powerpoint/2010/main" val="3260162975"/>
+      </p:ext>
+    </p:extLst>
   </p:cSld>
   <p:clrMapOvr>
     <a:masterClrMapping/>
@@ -4042,7 +4057,7 @@
 </p:sld>
 </file>
 
-<file path=ppt/slides/slide2.xml><?xml version="1.0" encoding="utf-8"?>
+<file path=ppt/slides/slide12.xml><?xml version="1.0" encoding="utf-8"?>
 <p:sld xmlns:a="http://schemas.openxmlformats.org/drawingml/2006/main" xmlns:r="http://schemas.openxmlformats.org/officeDocument/2006/relationships" xmlns:p="http://schemas.openxmlformats.org/presentationml/2006/main">
   <p:cSld>
     <p:spTree>
@@ -4114,7 +4129,7 @@
                   <a:srgbClr val="FFFF00"/>
                 </a:solidFill>
               </a:rPr>
-              <a:t>8 Create Tensor</a:t>
+              <a:t>8.3 Quiz</a:t>
             </a:r>
             <a:endParaRPr lang="zh-TW" altLang="en-US" b="1" dirty="0">
               <a:solidFill>
@@ -4136,8 +4151,8 @@
         </p:nvSpPr>
         <p:spPr>
           <a:xfrm>
-            <a:off x="457200" y="1325450"/>
-            <a:ext cx="8352928" cy="4824537"/>
+            <a:off x="477664" y="1325452"/>
+            <a:ext cx="1070000" cy="360040"/>
           </a:xfrm>
           <a:ln>
             <a:solidFill>
@@ -4160,12 +4175,12 @@
               <a:buChar char="u"/>
             </a:pPr>
             <a:r>
-              <a:rPr lang="en-US" sz="1800" b="1" dirty="0">
-                <a:solidFill>
-                  <a:schemeClr val="tx1"/>
-                </a:solidFill>
-              </a:rPr>
-              <a:t>Create Tensor</a:t>
+              <a:rPr lang="en-US" sz="1800" dirty="0">
+                <a:solidFill>
+                  <a:schemeClr val="tx1"/>
+                </a:solidFill>
+              </a:rPr>
+              <a:t>Quiz</a:t>
             </a:r>
           </a:p>
           <a:p>
@@ -4177,260 +4192,11 @@
               <a:buFont typeface="Wingdings" pitchFamily="2" charset="2"/>
               <a:buChar char="u"/>
             </a:pPr>
-            <a:r>
-              <a:rPr lang="en-US" sz="1800" dirty="0">
-                <a:solidFill>
-                  <a:schemeClr val="tx1"/>
-                </a:solidFill>
-              </a:rPr>
-              <a:t>Tensors are instances of the tensor class which lives in the top level torch package.</a:t>
-            </a:r>
-          </a:p>
-          <a:p>
-            <a:pPr marL="342900" indent="-342900" algn="l">
-              <a:buClr>
-                <a:srgbClr val="0070C0"/>
-              </a:buClr>
-              <a:buSzPct val="80000"/>
-              <a:buFont typeface="Wingdings" pitchFamily="2" charset="2"/>
-              <a:buChar char="u"/>
-            </a:pPr>
-            <a:r>
-              <a:rPr lang="en-US" sz="1800" dirty="0">
-                <a:solidFill>
-                  <a:schemeClr val="tx1"/>
-                </a:solidFill>
-              </a:rPr>
-              <a:t>We can create a torch tensor using the class constructor.</a:t>
-            </a:r>
-          </a:p>
-          <a:p>
-            <a:pPr marL="342900" indent="-342900" algn="l">
-              <a:buClr>
-                <a:srgbClr val="0070C0"/>
-              </a:buClr>
-              <a:buSzPct val="80000"/>
-              <a:buFont typeface="Wingdings" pitchFamily="2" charset="2"/>
-              <a:buChar char="u"/>
-            </a:pPr>
-            <a:r>
-              <a:rPr lang="en-US" sz="1800" dirty="0">
-                <a:solidFill>
-                  <a:schemeClr val="tx1"/>
-                </a:solidFill>
-              </a:rPr>
-              <a:t>&gt; import torch</a:t>
-            </a:r>
-          </a:p>
-          <a:p>
-            <a:pPr marL="342900" indent="-342900" algn="l">
-              <a:buClr>
-                <a:srgbClr val="0070C0"/>
-              </a:buClr>
-              <a:buSzPct val="80000"/>
-              <a:buFont typeface="Wingdings" pitchFamily="2" charset="2"/>
-              <a:buChar char="u"/>
-            </a:pPr>
-            <a:r>
-              <a:rPr lang="en-US" sz="1800" dirty="0">
-                <a:solidFill>
-                  <a:schemeClr val="tx1"/>
-                </a:solidFill>
-              </a:rPr>
-              <a:t>&gt; import </a:t>
-            </a:r>
-            <a:r>
-              <a:rPr lang="en-US" sz="1800" dirty="0" err="1">
-                <a:solidFill>
-                  <a:schemeClr val="tx1"/>
-                </a:solidFill>
-              </a:rPr>
-              <a:t>numpy</a:t>
-            </a:r>
-            <a:r>
-              <a:rPr lang="en-US" sz="1800" dirty="0">
-                <a:solidFill>
-                  <a:schemeClr val="tx1"/>
-                </a:solidFill>
-              </a:rPr>
-              <a:t> as np</a:t>
-            </a:r>
-          </a:p>
-          <a:p>
-            <a:pPr marL="342900" indent="-342900" algn="l">
-              <a:buClr>
-                <a:srgbClr val="0070C0"/>
-              </a:buClr>
-              <a:buSzPct val="80000"/>
-              <a:buFont typeface="Wingdings" pitchFamily="2" charset="2"/>
-              <a:buChar char="u"/>
-            </a:pPr>
-            <a:r>
-              <a:rPr lang="en-US" sz="1800" dirty="0">
-                <a:solidFill>
-                  <a:schemeClr val="tx1"/>
-                </a:solidFill>
-              </a:rPr>
-              <a:t>&gt; t = </a:t>
-            </a:r>
-            <a:r>
-              <a:rPr lang="en-US" sz="1800" dirty="0" err="1">
-                <a:solidFill>
-                  <a:schemeClr val="tx1"/>
-                </a:solidFill>
-              </a:rPr>
-              <a:t>torch.Tensor</a:t>
-            </a:r>
-            <a:r>
-              <a:rPr lang="en-US" sz="1800" dirty="0">
-                <a:solidFill>
-                  <a:schemeClr val="tx1"/>
-                </a:solidFill>
-              </a:rPr>
-              <a:t> ()</a:t>
-            </a:r>
-          </a:p>
-          <a:p>
-            <a:pPr marL="342900" indent="-342900" algn="l">
-              <a:buClr>
-                <a:srgbClr val="0070C0"/>
-              </a:buClr>
-              <a:buSzPct val="80000"/>
-              <a:buFont typeface="Wingdings" pitchFamily="2" charset="2"/>
-              <a:buChar char="u"/>
-            </a:pPr>
-            <a:r>
-              <a:rPr lang="en-US" sz="1800" dirty="0">
-                <a:solidFill>
-                  <a:schemeClr val="tx1"/>
-                </a:solidFill>
-              </a:rPr>
-              <a:t>&gt; type(t)</a:t>
-            </a:r>
-          </a:p>
-          <a:p>
-            <a:pPr marL="342900" indent="-342900" algn="l">
-              <a:buClr>
-                <a:srgbClr val="0070C0"/>
-              </a:buClr>
-              <a:buSzPct val="80000"/>
-              <a:buFont typeface="Wingdings" pitchFamily="2" charset="2"/>
-              <a:buChar char="u"/>
-            </a:pPr>
-            <a:r>
-              <a:rPr lang="en-US" sz="1800" dirty="0">
-                <a:solidFill>
-                  <a:schemeClr val="tx1"/>
-                </a:solidFill>
-              </a:rPr>
-              <a:t>We get the output of this code.</a:t>
-            </a:r>
-          </a:p>
-          <a:p>
-            <a:pPr marL="342900" indent="-342900" algn="l">
-              <a:buClr>
-                <a:srgbClr val="0070C0"/>
-              </a:buClr>
-              <a:buSzPct val="80000"/>
-              <a:buFont typeface="Wingdings" pitchFamily="2" charset="2"/>
-              <a:buChar char="u"/>
-            </a:pPr>
-            <a:r>
-              <a:rPr lang="en-US" sz="1800" dirty="0">
-                <a:solidFill>
-                  <a:schemeClr val="tx1"/>
-                </a:solidFill>
-              </a:rPr>
-              <a:t>Note that we checked the type of our tensor t and it is an instance of the torch tensor type torch class and also at the top, we import troch and import </a:t>
-            </a:r>
-            <a:r>
-              <a:rPr lang="en-US" sz="1800" dirty="0" err="1">
-                <a:solidFill>
-                  <a:schemeClr val="tx1"/>
-                </a:solidFill>
-              </a:rPr>
-              <a:t>numpy</a:t>
-            </a:r>
-            <a:r>
-              <a:rPr lang="en-US" sz="1800" dirty="0">
-                <a:solidFill>
-                  <a:schemeClr val="tx1"/>
-                </a:solidFill>
-              </a:rPr>
-              <a:t>.</a:t>
-            </a:r>
-          </a:p>
-          <a:p>
-            <a:pPr marL="342900" indent="-342900" algn="l">
-              <a:buClr>
-                <a:srgbClr val="0070C0"/>
-              </a:buClr>
-              <a:buSzPct val="80000"/>
-              <a:buFont typeface="Wingdings" pitchFamily="2" charset="2"/>
-              <a:buChar char="u"/>
-            </a:pPr>
-            <a:r>
-              <a:rPr lang="en-US" sz="1800" dirty="0">
-                <a:solidFill>
-                  <a:schemeClr val="tx1"/>
-                </a:solidFill>
-              </a:rPr>
-              <a:t>Make sure we have those two imports.</a:t>
-            </a:r>
-          </a:p>
-          <a:p>
-            <a:pPr marL="342900" indent="-342900" algn="l">
-              <a:buClr>
-                <a:srgbClr val="0070C0"/>
-              </a:buClr>
-              <a:buSzPct val="80000"/>
-              <a:buFont typeface="Wingdings" pitchFamily="2" charset="2"/>
-              <a:buChar char="u"/>
-            </a:pPr>
-            <a:r>
-              <a:rPr lang="en-US" sz="1800" dirty="0">
-                <a:solidFill>
-                  <a:schemeClr val="tx1"/>
-                </a:solidFill>
-              </a:rPr>
-              <a:t>In this case, we created a tensor using no data. We will create tensor using data.</a:t>
-            </a:r>
-          </a:p>
-          <a:p>
-            <a:pPr marL="342900" indent="-342900" algn="l">
-              <a:buClr>
-                <a:srgbClr val="0070C0"/>
-              </a:buClr>
-              <a:buSzPct val="80000"/>
-              <a:buFont typeface="Wingdings" pitchFamily="2" charset="2"/>
-              <a:buChar char="u"/>
-            </a:pPr>
-            <a:r>
-              <a:rPr lang="en-US" sz="1800" dirty="0">
-                <a:solidFill>
-                  <a:schemeClr val="tx1"/>
-                </a:solidFill>
-              </a:rPr>
-              <a:t>We want to study the tensor attributes. </a:t>
-            </a:r>
-          </a:p>
-          <a:p>
-            <a:pPr marL="342900" indent="-342900" algn="l">
-              <a:buClr>
-                <a:srgbClr val="0070C0"/>
-              </a:buClr>
-              <a:buSzPct val="80000"/>
-              <a:buFont typeface="Wingdings" pitchFamily="2" charset="2"/>
-              <a:buChar char="u"/>
-            </a:pPr>
-            <a:r>
-              <a:rPr lang="en-US" sz="1800" dirty="0">
-                <a:solidFill>
-                  <a:schemeClr val="tx1"/>
-                </a:solidFill>
-              </a:rPr>
-              <a:t>We already seen tensor attributes, such as, rank, axes, and shape. Those are fundamentals of tensor.</a:t>
-            </a:r>
+            <a:endParaRPr lang="en-US" sz="1800" dirty="0">
+              <a:solidFill>
+                <a:schemeClr val="tx1"/>
+              </a:solidFill>
+            </a:endParaRPr>
           </a:p>
         </p:txBody>
       </p:sp>
@@ -4529,7 +4295,7 @@
             <a:fld id="{A4F910E6-8D00-4BAF-8C48-9688E0B449D3}" type="datetime1">
               <a:rPr lang="zh-TW" altLang="en-US" smtClean="0"/>
               <a:pPr/>
-              <a:t>2020/5/22</a:t>
+              <a:t>2020/5/30</a:t>
             </a:fld>
             <a:endParaRPr lang="zh-TW" altLang="en-US"/>
           </a:p>
@@ -4553,16 +4319,51 @@
             <a:fld id="{E4D7E63D-91F2-4366-A2C4-1B00C9E2590E}" type="slidenum">
               <a:rPr lang="zh-TW" altLang="en-US" smtClean="0"/>
               <a:pPr/>
-              <a:t>2</a:t>
+              <a:t>12</a:t>
             </a:fld>
             <a:endParaRPr lang="zh-TW" altLang="en-US"/>
           </a:p>
         </p:txBody>
       </p:sp>
+      <p:pic>
+        <p:nvPicPr>
+          <p:cNvPr id="7" name="Picture 6">
+            <a:extLst>
+              <a:ext uri="{FF2B5EF4-FFF2-40B4-BE49-F238E27FC236}">
+                <a16:creationId xmlns:a16="http://schemas.microsoft.com/office/drawing/2014/main" id="{A414CCCB-37E7-4C88-BE7A-81B323604710}"/>
+              </a:ext>
+            </a:extLst>
+          </p:cNvPr>
+          <p:cNvPicPr>
+            <a:picLocks noChangeAspect="1"/>
+          </p:cNvPicPr>
+          <p:nvPr/>
+        </p:nvPicPr>
+        <p:blipFill>
+          <a:blip r:embed="rId3"/>
+          <a:stretch>
+            <a:fillRect/>
+          </a:stretch>
+        </p:blipFill>
+        <p:spPr>
+          <a:xfrm>
+            <a:off x="1819275" y="1300486"/>
+            <a:ext cx="6867525" cy="4695825"/>
+          </a:xfrm>
+          <a:prstGeom prst="rect">
+            <a:avLst/>
+          </a:prstGeom>
+          <a:ln>
+            <a:solidFill>
+              <a:srgbClr val="C00000"/>
+            </a:solidFill>
+          </a:ln>
+        </p:spPr>
+      </p:pic>
     </p:spTree>
     <p:extLst>
       <p:ext uri="{BB962C8B-B14F-4D97-AF65-F5344CB8AC3E}">
-        <p14:creationId xmlns:p14="http://schemas.microsoft.com/office/powerpoint/2010/main" val="2129682234"/>
+        <p14:creationId xmlns:p14="http://schemas.microsoft.com/office/powerpoint/2010/main" val="3059926639"/>
       </p:ext>
     </p:extLst>
   </p:cSld>
@@ -4572,7 +4373,7 @@
 </p:sld>
 </file>
 
-<file path=ppt/slides/slide3.xml><?xml version="1.0" encoding="utf-8"?>
+<file path=ppt/slides/slide13.xml><?xml version="1.0" encoding="utf-8"?>
 <p:sld xmlns:a="http://schemas.openxmlformats.org/drawingml/2006/main" xmlns:r="http://schemas.openxmlformats.org/officeDocument/2006/relationships" xmlns:p="http://schemas.openxmlformats.org/presentationml/2006/main">
   <p:cSld>
     <p:spTree>
@@ -4644,7 +4445,7 @@
                   <a:srgbClr val="FFFF00"/>
                 </a:solidFill>
               </a:rPr>
-              <a:t>8 Create Tensor</a:t>
+              <a:t>8.3 Quiz</a:t>
             </a:r>
             <a:endParaRPr lang="zh-TW" altLang="en-US" b="1" dirty="0">
               <a:solidFill>
@@ -4666,8 +4467,8 @@
         </p:nvSpPr>
         <p:spPr>
           <a:xfrm>
-            <a:off x="477664" y="1325451"/>
-            <a:ext cx="8352928" cy="2391581"/>
+            <a:off x="477664" y="1325452"/>
+            <a:ext cx="1070000" cy="360040"/>
           </a:xfrm>
           <a:ln>
             <a:solidFill>
@@ -4690,28 +4491,12 @@
               <a:buChar char="u"/>
             </a:pPr>
             <a:r>
-              <a:rPr lang="en-US" sz="1800" b="1" dirty="0">
-                <a:solidFill>
-                  <a:schemeClr val="tx1"/>
-                </a:solidFill>
-              </a:rPr>
-              <a:t>The attributes we will see of tensor are: </a:t>
-            </a:r>
-            <a:r>
-              <a:rPr lang="en-US" sz="1800" b="1" dirty="0" err="1">
-                <a:solidFill>
-                  <a:schemeClr val="tx1"/>
-                </a:solidFill>
-              </a:rPr>
-              <a:t>dtype</a:t>
-            </a:r>
-            <a:r>
-              <a:rPr lang="en-US" sz="1800" b="1" dirty="0">
-                <a:solidFill>
-                  <a:schemeClr val="tx1"/>
-                </a:solidFill>
-              </a:rPr>
-              <a:t>, device, and layout</a:t>
+              <a:rPr lang="en-US" sz="1800" dirty="0">
+                <a:solidFill>
+                  <a:schemeClr val="tx1"/>
+                </a:solidFill>
+              </a:rPr>
+              <a:t>Quiz</a:t>
             </a:r>
           </a:p>
           <a:p>
@@ -4723,177 +4508,7 @@
               <a:buFont typeface="Wingdings" pitchFamily="2" charset="2"/>
               <a:buChar char="u"/>
             </a:pPr>
-            <a:r>
-              <a:rPr lang="en-US" sz="1800" b="1" dirty="0">
-                <a:solidFill>
-                  <a:schemeClr val="tx1"/>
-                </a:solidFill>
-              </a:rPr>
-              <a:t>&gt; print (</a:t>
-            </a:r>
-            <a:r>
-              <a:rPr lang="en-US" sz="1800" b="1" dirty="0" err="1">
-                <a:solidFill>
-                  <a:schemeClr val="tx1"/>
-                </a:solidFill>
-              </a:rPr>
-              <a:t>t.dtype</a:t>
-            </a:r>
-            <a:r>
-              <a:rPr lang="en-US" sz="1800" b="1" dirty="0">
-                <a:solidFill>
-                  <a:schemeClr val="tx1"/>
-                </a:solidFill>
-              </a:rPr>
-              <a:t>)</a:t>
-            </a:r>
-          </a:p>
-          <a:p>
-            <a:pPr marL="342900" indent="-342900" algn="l">
-              <a:buClr>
-                <a:srgbClr val="0070C0"/>
-              </a:buClr>
-              <a:buSzPct val="80000"/>
-              <a:buFont typeface="Wingdings" pitchFamily="2" charset="2"/>
-              <a:buChar char="u"/>
-            </a:pPr>
-            <a:r>
-              <a:rPr lang="en-US" sz="1800" b="1" dirty="0">
-                <a:solidFill>
-                  <a:schemeClr val="tx1"/>
-                </a:solidFill>
-              </a:rPr>
-              <a:t>&gt;&gt; torch.float32</a:t>
-            </a:r>
-          </a:p>
-          <a:p>
-            <a:pPr marL="342900" indent="-342900" algn="l">
-              <a:buClr>
-                <a:srgbClr val="0070C0"/>
-              </a:buClr>
-              <a:buSzPct val="80000"/>
-              <a:buFont typeface="Wingdings" pitchFamily="2" charset="2"/>
-              <a:buChar char="u"/>
-            </a:pPr>
-            <a:r>
-              <a:rPr lang="en-US" sz="1800" b="1" dirty="0">
-                <a:solidFill>
-                  <a:schemeClr val="tx1"/>
-                </a:solidFill>
-              </a:rPr>
-              <a:t>&gt; print(</a:t>
-            </a:r>
-            <a:r>
-              <a:rPr lang="en-US" sz="1800" b="1" dirty="0" err="1">
-                <a:solidFill>
-                  <a:schemeClr val="tx1"/>
-                </a:solidFill>
-              </a:rPr>
-              <a:t>t.device</a:t>
-            </a:r>
-            <a:r>
-              <a:rPr lang="en-US" sz="1800" b="1" dirty="0">
-                <a:solidFill>
-                  <a:schemeClr val="tx1"/>
-                </a:solidFill>
-              </a:rPr>
-              <a:t>)</a:t>
-            </a:r>
-          </a:p>
-          <a:p>
-            <a:pPr marL="342900" indent="-342900" algn="l">
-              <a:buClr>
-                <a:srgbClr val="0070C0"/>
-              </a:buClr>
-              <a:buSzPct val="80000"/>
-              <a:buFont typeface="Wingdings" pitchFamily="2" charset="2"/>
-              <a:buChar char="u"/>
-            </a:pPr>
-            <a:r>
-              <a:rPr lang="en-US" sz="1800" b="1" dirty="0">
-                <a:solidFill>
-                  <a:schemeClr val="tx1"/>
-                </a:solidFill>
-              </a:rPr>
-              <a:t>&gt;&gt; </a:t>
-            </a:r>
-            <a:r>
-              <a:rPr lang="en-US" sz="1800" b="1" dirty="0" err="1">
-                <a:solidFill>
-                  <a:schemeClr val="tx1"/>
-                </a:solidFill>
-              </a:rPr>
-              <a:t>cpu</a:t>
-            </a:r>
-            <a:r>
-              <a:rPr lang="en-US" sz="1800" b="1" dirty="0">
-                <a:solidFill>
-                  <a:schemeClr val="tx1"/>
-                </a:solidFill>
-              </a:rPr>
-              <a:t>  </a:t>
-            </a:r>
-          </a:p>
-          <a:p>
-            <a:pPr marL="342900" indent="-342900" algn="l">
-              <a:buClr>
-                <a:srgbClr val="0070C0"/>
-              </a:buClr>
-              <a:buSzPct val="80000"/>
-              <a:buFont typeface="Wingdings" pitchFamily="2" charset="2"/>
-              <a:buChar char="u"/>
-            </a:pPr>
-            <a:r>
-              <a:rPr lang="en-US" sz="1800" b="1" dirty="0">
-                <a:solidFill>
-                  <a:schemeClr val="tx1"/>
-                </a:solidFill>
-              </a:rPr>
-              <a:t>&gt; print(</a:t>
-            </a:r>
-            <a:r>
-              <a:rPr lang="en-US" sz="1800" b="1" dirty="0" err="1">
-                <a:solidFill>
-                  <a:schemeClr val="tx1"/>
-                </a:solidFill>
-              </a:rPr>
-              <a:t>t.layout</a:t>
-            </a:r>
-            <a:r>
-              <a:rPr lang="en-US" sz="1800" b="1" dirty="0">
-                <a:solidFill>
-                  <a:schemeClr val="tx1"/>
-                </a:solidFill>
-              </a:rPr>
-              <a:t>)</a:t>
-            </a:r>
-          </a:p>
-          <a:p>
-            <a:pPr marL="342900" indent="-342900" algn="l">
-              <a:buClr>
-                <a:srgbClr val="0070C0"/>
-              </a:buClr>
-              <a:buSzPct val="80000"/>
-              <a:buFont typeface="Wingdings" pitchFamily="2" charset="2"/>
-              <a:buChar char="u"/>
-            </a:pPr>
-            <a:r>
-              <a:rPr lang="en-US" sz="1800" b="1" dirty="0">
-                <a:solidFill>
-                  <a:schemeClr val="tx1"/>
-                </a:solidFill>
-              </a:rPr>
-              <a:t>&gt;&gt; </a:t>
-            </a:r>
-            <a:r>
-              <a:rPr lang="en-US" sz="1800" b="1" dirty="0" err="1">
-                <a:solidFill>
-                  <a:schemeClr val="tx1"/>
-                </a:solidFill>
-              </a:rPr>
-              <a:t>torch.strided</a:t>
-            </a:r>
-            <a:endParaRPr lang="en-US" sz="1800" b="1" dirty="0">
+            <a:endParaRPr lang="en-US" sz="1800" dirty="0">
               <a:solidFill>
                 <a:schemeClr val="tx1"/>
               </a:solidFill>
@@ -4996,7 +4611,1408 @@
             <a:fld id="{A4F910E6-8D00-4BAF-8C48-9688E0B449D3}" type="datetime1">
               <a:rPr lang="zh-TW" altLang="en-US" smtClean="0"/>
               <a:pPr/>
-              <a:t>2020/5/22</a:t>
+              <a:t>2020/5/30</a:t>
+            </a:fld>
+            <a:endParaRPr lang="zh-TW" altLang="en-US"/>
+          </a:p>
+        </p:txBody>
+      </p:sp>
+      <p:sp>
+        <p:nvSpPr>
+          <p:cNvPr id="6" name="投影片編號版面配置區 5"/>
+          <p:cNvSpPr>
+            <a:spLocks noGrp="1"/>
+          </p:cNvSpPr>
+          <p:nvPr>
+            <p:ph type="sldNum" sz="quarter" idx="12"/>
+          </p:nvPr>
+        </p:nvSpPr>
+        <p:spPr/>
+        <p:txBody>
+          <a:bodyPr/>
+          <a:lstStyle/>
+          <a:p>
+            <a:fld id="{E4D7E63D-91F2-4366-A2C4-1B00C9E2590E}" type="slidenum">
+              <a:rPr lang="zh-TW" altLang="en-US" smtClean="0"/>
+              <a:pPr/>
+              <a:t>13</a:t>
+            </a:fld>
+            <a:endParaRPr lang="zh-TW" altLang="en-US"/>
+          </a:p>
+        </p:txBody>
+      </p:sp>
+      <p:pic>
+        <p:nvPicPr>
+          <p:cNvPr id="8" name="Picture 7">
+            <a:extLst>
+              <a:ext uri="{FF2B5EF4-FFF2-40B4-BE49-F238E27FC236}">
+                <a16:creationId xmlns:a16="http://schemas.microsoft.com/office/drawing/2014/main" id="{653C8999-FF27-41FD-8BC4-BDFFE8238ED8}"/>
+              </a:ext>
+            </a:extLst>
+          </p:cNvPr>
+          <p:cNvPicPr>
+            <a:picLocks noChangeAspect="1"/>
+          </p:cNvPicPr>
+          <p:nvPr/>
+        </p:nvPicPr>
+        <p:blipFill>
+          <a:blip r:embed="rId3"/>
+          <a:stretch>
+            <a:fillRect/>
+          </a:stretch>
+        </p:blipFill>
+        <p:spPr>
+          <a:xfrm>
+            <a:off x="1835696" y="1391215"/>
+            <a:ext cx="4371975" cy="1771650"/>
+          </a:xfrm>
+          <a:prstGeom prst="rect">
+            <a:avLst/>
+          </a:prstGeom>
+        </p:spPr>
+      </p:pic>
+      <p:pic>
+        <p:nvPicPr>
+          <p:cNvPr id="9" name="Picture 8">
+            <a:extLst>
+              <a:ext uri="{FF2B5EF4-FFF2-40B4-BE49-F238E27FC236}">
+                <a16:creationId xmlns:a16="http://schemas.microsoft.com/office/drawing/2014/main" id="{AF52CEF6-9768-4CA2-8AD7-C47A13B7BDF1}"/>
+              </a:ext>
+            </a:extLst>
+          </p:cNvPr>
+          <p:cNvPicPr>
+            <a:picLocks noChangeAspect="1"/>
+          </p:cNvPicPr>
+          <p:nvPr/>
+        </p:nvPicPr>
+        <p:blipFill>
+          <a:blip r:embed="rId4"/>
+          <a:stretch>
+            <a:fillRect/>
+          </a:stretch>
+        </p:blipFill>
+        <p:spPr>
+          <a:xfrm>
+            <a:off x="1835696" y="3429000"/>
+            <a:ext cx="6581775" cy="714375"/>
+          </a:xfrm>
+          <a:prstGeom prst="rect">
+            <a:avLst/>
+          </a:prstGeom>
+        </p:spPr>
+      </p:pic>
+      <p:sp>
+        <p:nvSpPr>
+          <p:cNvPr id="34" name="Rectangle 33">
+            <a:extLst>
+              <a:ext uri="{FF2B5EF4-FFF2-40B4-BE49-F238E27FC236}">
+                <a16:creationId xmlns:a16="http://schemas.microsoft.com/office/drawing/2014/main" id="{294462DF-B2B1-4417-BA74-5B05E6FE6EA6}"/>
+              </a:ext>
+            </a:extLst>
+          </p:cNvPr>
+          <p:cNvSpPr/>
+          <p:nvPr/>
+        </p:nvSpPr>
+        <p:spPr>
+          <a:xfrm>
+            <a:off x="1979712" y="4143375"/>
+            <a:ext cx="6048672" cy="714375"/>
+          </a:xfrm>
+          <a:prstGeom prst="rect">
+            <a:avLst/>
+          </a:prstGeom>
+          <a:noFill/>
+        </p:spPr>
+        <p:style>
+          <a:lnRef idx="2">
+            <a:schemeClr val="accent1">
+              <a:shade val="50000"/>
+            </a:schemeClr>
+          </a:lnRef>
+          <a:fillRef idx="1">
+            <a:schemeClr val="accent1"/>
+          </a:fillRef>
+          <a:effectRef idx="0">
+            <a:schemeClr val="accent1"/>
+          </a:effectRef>
+          <a:fontRef idx="minor">
+            <a:schemeClr val="lt1"/>
+          </a:fontRef>
+        </p:style>
+        <p:txBody>
+          <a:bodyPr rtlCol="0" anchor="ctr"/>
+          <a:lstStyle/>
+          <a:p>
+            <a:pPr eaLnBrk="0" fontAlgn="base" hangingPunct="0">
+              <a:spcBef>
+                <a:spcPct val="0"/>
+              </a:spcBef>
+              <a:spcAft>
+                <a:spcPct val="0"/>
+              </a:spcAft>
+            </a:pPr>
+            <a:r>
+              <a:rPr lang="en-US" altLang="en-US" sz="1400" dirty="0" err="1">
+                <a:solidFill>
+                  <a:schemeClr val="tx1"/>
+                </a:solidFill>
+                <a:latin typeface="+mj-lt"/>
+              </a:rPr>
+              <a:t>RuntimeError</a:t>
+            </a:r>
+            <a:r>
+              <a:rPr lang="en-US" altLang="en-US" sz="1400" dirty="0">
+                <a:solidFill>
+                  <a:schemeClr val="tx1"/>
+                </a:solidFill>
+                <a:latin typeface="+mj-lt"/>
+              </a:rPr>
+              <a:t>: Expected Object of type </a:t>
+            </a:r>
+            <a:r>
+              <a:rPr lang="en-US" altLang="en-US" sz="1400" dirty="0" err="1">
+                <a:solidFill>
+                  <a:schemeClr val="tx1"/>
+                </a:solidFill>
+                <a:latin typeface="+mj-lt"/>
+              </a:rPr>
+              <a:t>torch.LongTensor</a:t>
+            </a:r>
+            <a:r>
+              <a:rPr lang="en-US" altLang="en-US" sz="1400" dirty="0">
+                <a:solidFill>
+                  <a:schemeClr val="tx1"/>
+                </a:solidFill>
+                <a:latin typeface="+mj-lt"/>
+              </a:rPr>
+              <a:t> but found </a:t>
+            </a:r>
+            <a:r>
+              <a:rPr lang="en-US" altLang="en-US" sz="1400" dirty="0" err="1">
+                <a:solidFill>
+                  <a:schemeClr val="tx1"/>
+                </a:solidFill>
+                <a:latin typeface="+mj-lt"/>
+              </a:rPr>
+              <a:t>torch.cuda</a:t>
+            </a:r>
+            <a:r>
+              <a:rPr lang="en-US" altLang="en-US" sz="1400" dirty="0">
+                <a:solidFill>
+                  <a:schemeClr val="tx1"/>
+                </a:solidFill>
+                <a:latin typeface="+mj-lt"/>
+              </a:rPr>
+              <a:t>. </a:t>
+            </a:r>
+            <a:r>
+              <a:rPr lang="en-US" altLang="en-US" sz="1400" dirty="0" err="1">
+                <a:solidFill>
+                  <a:schemeClr val="tx1"/>
+                </a:solidFill>
+                <a:latin typeface="+mj-lt"/>
+              </a:rPr>
+              <a:t>LongTensor</a:t>
+            </a:r>
+            <a:r>
+              <a:rPr lang="en-US" altLang="en-US" sz="1400" dirty="0">
+                <a:solidFill>
+                  <a:schemeClr val="tx1"/>
+                </a:solidFill>
+                <a:latin typeface="+mj-lt"/>
+              </a:rPr>
+              <a:t> for argument #3  ‘Other’   </a:t>
+            </a:r>
+          </a:p>
+        </p:txBody>
+      </p:sp>
+      <p:pic>
+        <p:nvPicPr>
+          <p:cNvPr id="37" name="Picture 36">
+            <a:extLst>
+              <a:ext uri="{FF2B5EF4-FFF2-40B4-BE49-F238E27FC236}">
+                <a16:creationId xmlns:a16="http://schemas.microsoft.com/office/drawing/2014/main" id="{98950B6C-1555-410F-8E28-0806FCD7FFD0}"/>
+              </a:ext>
+            </a:extLst>
+          </p:cNvPr>
+          <p:cNvPicPr>
+            <a:picLocks noChangeAspect="1"/>
+          </p:cNvPicPr>
+          <p:nvPr/>
+        </p:nvPicPr>
+        <p:blipFill>
+          <a:blip r:embed="rId5"/>
+          <a:stretch>
+            <a:fillRect/>
+          </a:stretch>
+        </p:blipFill>
+        <p:spPr>
+          <a:xfrm>
+            <a:off x="2483768" y="5023415"/>
+            <a:ext cx="1028700" cy="704850"/>
+          </a:xfrm>
+          <a:prstGeom prst="rect">
+            <a:avLst/>
+          </a:prstGeom>
+        </p:spPr>
+      </p:pic>
+      <p:sp>
+        <p:nvSpPr>
+          <p:cNvPr id="38" name="Rectangle 37">
+            <a:extLst>
+              <a:ext uri="{FF2B5EF4-FFF2-40B4-BE49-F238E27FC236}">
+                <a16:creationId xmlns:a16="http://schemas.microsoft.com/office/drawing/2014/main" id="{DCD400C1-F3E2-4657-AB61-5E969ABE15CE}"/>
+              </a:ext>
+            </a:extLst>
+          </p:cNvPr>
+          <p:cNvSpPr/>
+          <p:nvPr/>
+        </p:nvSpPr>
+        <p:spPr>
+          <a:xfrm>
+            <a:off x="1835696" y="1325452"/>
+            <a:ext cx="6696744" cy="4670859"/>
+          </a:xfrm>
+          <a:prstGeom prst="rect">
+            <a:avLst/>
+          </a:prstGeom>
+          <a:noFill/>
+          <a:ln>
+            <a:solidFill>
+              <a:srgbClr val="C00000"/>
+            </a:solidFill>
+          </a:ln>
+        </p:spPr>
+        <p:style>
+          <a:lnRef idx="2">
+            <a:schemeClr val="accent1">
+              <a:shade val="50000"/>
+            </a:schemeClr>
+          </a:lnRef>
+          <a:fillRef idx="1">
+            <a:schemeClr val="accent1"/>
+          </a:fillRef>
+          <a:effectRef idx="0">
+            <a:schemeClr val="accent1"/>
+          </a:effectRef>
+          <a:fontRef idx="minor">
+            <a:schemeClr val="lt1"/>
+          </a:fontRef>
+        </p:style>
+        <p:txBody>
+          <a:bodyPr rtlCol="0" anchor="ctr"/>
+          <a:lstStyle/>
+          <a:p>
+            <a:pPr algn="ctr"/>
+            <a:endParaRPr lang="en-US"/>
+          </a:p>
+        </p:txBody>
+      </p:sp>
+    </p:spTree>
+    <p:extLst>
+      <p:ext uri="{BB962C8B-B14F-4D97-AF65-F5344CB8AC3E}">
+        <p14:creationId xmlns:p14="http://schemas.microsoft.com/office/powerpoint/2010/main" val="2178940110"/>
+      </p:ext>
+    </p:extLst>
+  </p:cSld>
+  <p:clrMapOvr>
+    <a:masterClrMapping/>
+  </p:clrMapOvr>
+</p:sld>
+</file>
+
+<file path=ppt/slides/slide14.xml><?xml version="1.0" encoding="utf-8"?>
+<p:sld xmlns:a="http://schemas.openxmlformats.org/drawingml/2006/main" xmlns:r="http://schemas.openxmlformats.org/officeDocument/2006/relationships" xmlns:p="http://schemas.openxmlformats.org/presentationml/2006/main">
+  <p:cSld>
+    <p:spTree>
+      <p:nvGrpSpPr>
+        <p:cNvPr id="1" name=""/>
+        <p:cNvGrpSpPr/>
+        <p:nvPr/>
+      </p:nvGrpSpPr>
+      <p:grpSpPr>
+        <a:xfrm>
+          <a:off x="0" y="0"/>
+          <a:ext cx="0" cy="0"/>
+          <a:chOff x="0" y="0"/>
+          <a:chExt cx="0" cy="0"/>
+        </a:xfrm>
+      </p:grpSpPr>
+      <p:sp>
+        <p:nvSpPr>
+          <p:cNvPr id="2" name="標題 1"/>
+          <p:cNvSpPr>
+            <a:spLocks noGrp="1"/>
+          </p:cNvSpPr>
+          <p:nvPr>
+            <p:ph type="ctrTitle"/>
+          </p:nvPr>
+        </p:nvSpPr>
+        <p:spPr>
+          <a:xfrm>
+            <a:off x="0" y="2130425"/>
+            <a:ext cx="9144000" cy="1470025"/>
+          </a:xfrm>
+          <a:gradFill flip="none" rotWithShape="1">
+            <a:gsLst>
+              <a:gs pos="0">
+                <a:srgbClr val="00B0F0">
+                  <a:shade val="30000"/>
+                  <a:satMod val="115000"/>
+                </a:srgbClr>
+              </a:gs>
+              <a:gs pos="50000">
+                <a:srgbClr val="00B0F0">
+                  <a:shade val="67500"/>
+                  <a:satMod val="115000"/>
+                </a:srgbClr>
+              </a:gs>
+              <a:gs pos="100000">
+                <a:srgbClr val="00B0F0">
+                  <a:shade val="100000"/>
+                  <a:satMod val="115000"/>
+                </a:srgbClr>
+              </a:gs>
+            </a:gsLst>
+            <a:path path="circle">
+              <a:fillToRect t="100000" r="100000"/>
+            </a:path>
+            <a:tileRect l="-100000" b="-100000"/>
+          </a:gradFill>
+        </p:spPr>
+        <p:txBody>
+          <a:bodyPr>
+            <a:normAutofit/>
+          </a:bodyPr>
+          <a:lstStyle/>
+          <a:p>
+            <a:r>
+              <a:rPr lang="en-US" altLang="zh-TW" sz="6000" b="1" dirty="0">
+                <a:solidFill>
+                  <a:srgbClr val="FFFF00"/>
+                </a:solidFill>
+              </a:rPr>
+              <a:t>End of Chapter</a:t>
+            </a:r>
+            <a:endParaRPr lang="zh-TW" altLang="en-US" sz="6000" b="1" dirty="0">
+              <a:solidFill>
+                <a:srgbClr val="FFFF00"/>
+              </a:solidFill>
+            </a:endParaRPr>
+          </a:p>
+        </p:txBody>
+      </p:sp>
+      <p:sp>
+        <p:nvSpPr>
+          <p:cNvPr id="5" name="日期版面配置區 4"/>
+          <p:cNvSpPr>
+            <a:spLocks noGrp="1"/>
+          </p:cNvSpPr>
+          <p:nvPr>
+            <p:ph type="dt" sz="half" idx="10"/>
+          </p:nvPr>
+        </p:nvSpPr>
+        <p:spPr/>
+        <p:txBody>
+          <a:bodyPr/>
+          <a:lstStyle/>
+          <a:p>
+            <a:fld id="{4E46BE27-E923-4EC2-B046-3272AE2A3E5C}" type="datetime1">
+              <a:rPr lang="zh-TW" altLang="en-US" smtClean="0"/>
+              <a:pPr/>
+              <a:t>2020/5/30</a:t>
+            </a:fld>
+            <a:endParaRPr lang="zh-TW" altLang="en-US"/>
+          </a:p>
+        </p:txBody>
+      </p:sp>
+      <p:sp>
+        <p:nvSpPr>
+          <p:cNvPr id="6" name="投影片編號版面配置區 5"/>
+          <p:cNvSpPr>
+            <a:spLocks noGrp="1"/>
+          </p:cNvSpPr>
+          <p:nvPr>
+            <p:ph type="sldNum" sz="quarter" idx="12"/>
+          </p:nvPr>
+        </p:nvSpPr>
+        <p:spPr/>
+        <p:txBody>
+          <a:bodyPr/>
+          <a:lstStyle/>
+          <a:p>
+            <a:fld id="{E4D7E63D-91F2-4366-A2C4-1B00C9E2590E}" type="slidenum">
+              <a:rPr lang="zh-TW" altLang="en-US" smtClean="0"/>
+              <a:pPr/>
+              <a:t>14</a:t>
+            </a:fld>
+            <a:endParaRPr lang="zh-TW" altLang="en-US"/>
+          </a:p>
+        </p:txBody>
+      </p:sp>
+    </p:spTree>
+  </p:cSld>
+  <p:clrMapOvr>
+    <a:masterClrMapping/>
+  </p:clrMapOvr>
+</p:sld>
+</file>
+
+<file path=ppt/slides/slide2.xml><?xml version="1.0" encoding="utf-8"?>
+<p:sld xmlns:a="http://schemas.openxmlformats.org/drawingml/2006/main" xmlns:r="http://schemas.openxmlformats.org/officeDocument/2006/relationships" xmlns:p="http://schemas.openxmlformats.org/presentationml/2006/main">
+  <p:cSld>
+    <p:spTree>
+      <p:nvGrpSpPr>
+        <p:cNvPr id="1" name=""/>
+        <p:cNvGrpSpPr/>
+        <p:nvPr/>
+      </p:nvGrpSpPr>
+      <p:grpSpPr>
+        <a:xfrm>
+          <a:off x="0" y="0"/>
+          <a:ext cx="0" cy="0"/>
+          <a:chOff x="0" y="0"/>
+          <a:chExt cx="0" cy="0"/>
+        </a:xfrm>
+      </p:grpSpPr>
+      <p:sp>
+        <p:nvSpPr>
+          <p:cNvPr id="2" name="標題 1"/>
+          <p:cNvSpPr>
+            <a:spLocks noGrp="1"/>
+          </p:cNvSpPr>
+          <p:nvPr>
+            <p:ph type="ctrTitle"/>
+          </p:nvPr>
+        </p:nvSpPr>
+        <p:spPr>
+          <a:xfrm>
+            <a:off x="0" y="1"/>
+            <a:ext cx="9144000" cy="764704"/>
+          </a:xfrm>
+          <a:gradFill flip="none" rotWithShape="1">
+            <a:gsLst>
+              <a:gs pos="0">
+                <a:srgbClr val="C00000">
+                  <a:shade val="30000"/>
+                  <a:satMod val="115000"/>
+                </a:srgbClr>
+              </a:gs>
+              <a:gs pos="50000">
+                <a:srgbClr val="C00000">
+                  <a:shade val="67500"/>
+                  <a:satMod val="115000"/>
+                </a:srgbClr>
+              </a:gs>
+              <a:gs pos="100000">
+                <a:srgbClr val="C00000">
+                  <a:shade val="100000"/>
+                  <a:satMod val="115000"/>
+                </a:srgbClr>
+              </a:gs>
+            </a:gsLst>
+            <a:path path="circle">
+              <a:fillToRect t="100000" r="100000"/>
+            </a:path>
+            <a:tileRect l="-100000" b="-100000"/>
+          </a:gradFill>
+        </p:spPr>
+        <p:txBody>
+          <a:bodyPr>
+            <a:normAutofit/>
+          </a:bodyPr>
+          <a:lstStyle/>
+          <a:p>
+            <a:pPr algn="l"/>
+            <a:r>
+              <a:rPr lang="en-US" altLang="zh-TW" b="1" dirty="0">
+                <a:solidFill>
+                  <a:srgbClr val="FFFF00"/>
+                </a:solidFill>
+              </a:rPr>
+              <a:t>8 Create Tensor</a:t>
+            </a:r>
+            <a:endParaRPr lang="zh-TW" altLang="en-US" b="1" dirty="0">
+              <a:solidFill>
+                <a:srgbClr val="FFFF00"/>
+              </a:solidFill>
+            </a:endParaRPr>
+          </a:p>
+        </p:txBody>
+      </p:sp>
+      <p:sp>
+        <p:nvSpPr>
+          <p:cNvPr id="3" name="副標題 2"/>
+          <p:cNvSpPr>
+            <a:spLocks noGrp="1"/>
+          </p:cNvSpPr>
+          <p:nvPr>
+            <p:ph type="subTitle" idx="1"/>
+          </p:nvPr>
+        </p:nvSpPr>
+        <p:spPr>
+          <a:xfrm>
+            <a:off x="457200" y="1325450"/>
+            <a:ext cx="8352928" cy="4824537"/>
+          </a:xfrm>
+          <a:ln>
+            <a:solidFill>
+              <a:srgbClr val="C00000"/>
+            </a:solidFill>
+          </a:ln>
+        </p:spPr>
+        <p:txBody>
+          <a:bodyPr>
+            <a:noAutofit/>
+          </a:bodyPr>
+          <a:lstStyle/>
+          <a:p>
+            <a:pPr marL="342900" indent="-342900" algn="l">
+              <a:buClr>
+                <a:srgbClr val="0070C0"/>
+              </a:buClr>
+              <a:buSzPct val="80000"/>
+              <a:buFont typeface="Wingdings" pitchFamily="2" charset="2"/>
+              <a:buChar char="u"/>
+            </a:pPr>
+            <a:r>
+              <a:rPr lang="en-US" sz="1800" b="1" dirty="0">
+                <a:solidFill>
+                  <a:schemeClr val="tx1"/>
+                </a:solidFill>
+              </a:rPr>
+              <a:t>Create Tensor</a:t>
+            </a:r>
+          </a:p>
+          <a:p>
+            <a:pPr marL="342900" indent="-342900" algn="l">
+              <a:buClr>
+                <a:srgbClr val="0070C0"/>
+              </a:buClr>
+              <a:buSzPct val="80000"/>
+              <a:buFont typeface="Wingdings" pitchFamily="2" charset="2"/>
+              <a:buChar char="u"/>
+            </a:pPr>
+            <a:r>
+              <a:rPr lang="en-US" sz="1800" dirty="0">
+                <a:solidFill>
+                  <a:schemeClr val="tx1"/>
+                </a:solidFill>
+              </a:rPr>
+              <a:t>Tensors are instances of the tensor class which lives in the top level torch package.</a:t>
+            </a:r>
+          </a:p>
+          <a:p>
+            <a:pPr marL="342900" indent="-342900" algn="l">
+              <a:buClr>
+                <a:srgbClr val="0070C0"/>
+              </a:buClr>
+              <a:buSzPct val="80000"/>
+              <a:buFont typeface="Wingdings" pitchFamily="2" charset="2"/>
+              <a:buChar char="u"/>
+            </a:pPr>
+            <a:r>
+              <a:rPr lang="en-US" sz="1800" dirty="0">
+                <a:solidFill>
+                  <a:schemeClr val="tx1"/>
+                </a:solidFill>
+              </a:rPr>
+              <a:t>We can create a torch tensor using the class constructor.</a:t>
+            </a:r>
+          </a:p>
+          <a:p>
+            <a:pPr marL="342900" indent="-342900" algn="l">
+              <a:buClr>
+                <a:srgbClr val="0070C0"/>
+              </a:buClr>
+              <a:buSzPct val="80000"/>
+              <a:buFont typeface="Wingdings" pitchFamily="2" charset="2"/>
+              <a:buChar char="u"/>
+            </a:pPr>
+            <a:r>
+              <a:rPr lang="en-US" sz="1800" dirty="0">
+                <a:solidFill>
+                  <a:schemeClr val="tx1"/>
+                </a:solidFill>
+              </a:rPr>
+              <a:t>&gt; import torch</a:t>
+            </a:r>
+          </a:p>
+          <a:p>
+            <a:pPr marL="342900" indent="-342900" algn="l">
+              <a:buClr>
+                <a:srgbClr val="0070C0"/>
+              </a:buClr>
+              <a:buSzPct val="80000"/>
+              <a:buFont typeface="Wingdings" pitchFamily="2" charset="2"/>
+              <a:buChar char="u"/>
+            </a:pPr>
+            <a:r>
+              <a:rPr lang="en-US" sz="1800" dirty="0">
+                <a:solidFill>
+                  <a:schemeClr val="tx1"/>
+                </a:solidFill>
+              </a:rPr>
+              <a:t>&gt; import </a:t>
+            </a:r>
+            <a:r>
+              <a:rPr lang="en-US" sz="1800" dirty="0" err="1">
+                <a:solidFill>
+                  <a:schemeClr val="tx1"/>
+                </a:solidFill>
+              </a:rPr>
+              <a:t>numpy</a:t>
+            </a:r>
+            <a:r>
+              <a:rPr lang="en-US" sz="1800" dirty="0">
+                <a:solidFill>
+                  <a:schemeClr val="tx1"/>
+                </a:solidFill>
+              </a:rPr>
+              <a:t> as np</a:t>
+            </a:r>
+          </a:p>
+          <a:p>
+            <a:pPr marL="342900" indent="-342900" algn="l">
+              <a:buClr>
+                <a:srgbClr val="0070C0"/>
+              </a:buClr>
+              <a:buSzPct val="80000"/>
+              <a:buFont typeface="Wingdings" pitchFamily="2" charset="2"/>
+              <a:buChar char="u"/>
+            </a:pPr>
+            <a:r>
+              <a:rPr lang="en-US" sz="1800" dirty="0">
+                <a:solidFill>
+                  <a:schemeClr val="tx1"/>
+                </a:solidFill>
+              </a:rPr>
+              <a:t>&gt; t = </a:t>
+            </a:r>
+            <a:r>
+              <a:rPr lang="en-US" sz="1800" dirty="0" err="1">
+                <a:solidFill>
+                  <a:schemeClr val="tx1"/>
+                </a:solidFill>
+              </a:rPr>
+              <a:t>torch.Tensor</a:t>
+            </a:r>
+            <a:r>
+              <a:rPr lang="en-US" sz="1800" dirty="0">
+                <a:solidFill>
+                  <a:schemeClr val="tx1"/>
+                </a:solidFill>
+              </a:rPr>
+              <a:t> ()</a:t>
+            </a:r>
+          </a:p>
+          <a:p>
+            <a:pPr marL="342900" indent="-342900" algn="l">
+              <a:buClr>
+                <a:srgbClr val="0070C0"/>
+              </a:buClr>
+              <a:buSzPct val="80000"/>
+              <a:buFont typeface="Wingdings" pitchFamily="2" charset="2"/>
+              <a:buChar char="u"/>
+            </a:pPr>
+            <a:r>
+              <a:rPr lang="en-US" sz="1800" dirty="0">
+                <a:solidFill>
+                  <a:schemeClr val="tx1"/>
+                </a:solidFill>
+              </a:rPr>
+              <a:t>&gt; type(t)</a:t>
+            </a:r>
+          </a:p>
+          <a:p>
+            <a:pPr marL="342900" indent="-342900" algn="l">
+              <a:buClr>
+                <a:srgbClr val="0070C0"/>
+              </a:buClr>
+              <a:buSzPct val="80000"/>
+              <a:buFont typeface="Wingdings" pitchFamily="2" charset="2"/>
+              <a:buChar char="u"/>
+            </a:pPr>
+            <a:r>
+              <a:rPr lang="en-US" sz="1800" dirty="0">
+                <a:solidFill>
+                  <a:schemeClr val="tx1"/>
+                </a:solidFill>
+              </a:rPr>
+              <a:t>We get the output of this code.</a:t>
+            </a:r>
+          </a:p>
+          <a:p>
+            <a:pPr marL="342900" indent="-342900" algn="l">
+              <a:buClr>
+                <a:srgbClr val="0070C0"/>
+              </a:buClr>
+              <a:buSzPct val="80000"/>
+              <a:buFont typeface="Wingdings" pitchFamily="2" charset="2"/>
+              <a:buChar char="u"/>
+            </a:pPr>
+            <a:r>
+              <a:rPr lang="en-US" sz="1800" dirty="0">
+                <a:solidFill>
+                  <a:schemeClr val="tx1"/>
+                </a:solidFill>
+              </a:rPr>
+              <a:t>Note that we checked the type of our tensor t and it is an instance of the torch tensor type torch class and also at the top, we import troch and import </a:t>
+            </a:r>
+            <a:r>
+              <a:rPr lang="en-US" sz="1800" dirty="0" err="1">
+                <a:solidFill>
+                  <a:schemeClr val="tx1"/>
+                </a:solidFill>
+              </a:rPr>
+              <a:t>numpy</a:t>
+            </a:r>
+            <a:r>
+              <a:rPr lang="en-US" sz="1800" dirty="0">
+                <a:solidFill>
+                  <a:schemeClr val="tx1"/>
+                </a:solidFill>
+              </a:rPr>
+              <a:t>.</a:t>
+            </a:r>
+          </a:p>
+          <a:p>
+            <a:pPr marL="342900" indent="-342900" algn="l">
+              <a:buClr>
+                <a:srgbClr val="0070C0"/>
+              </a:buClr>
+              <a:buSzPct val="80000"/>
+              <a:buFont typeface="Wingdings" pitchFamily="2" charset="2"/>
+              <a:buChar char="u"/>
+            </a:pPr>
+            <a:r>
+              <a:rPr lang="en-US" sz="1800" dirty="0">
+                <a:solidFill>
+                  <a:schemeClr val="tx1"/>
+                </a:solidFill>
+              </a:rPr>
+              <a:t>Make sure we have those two imports.</a:t>
+            </a:r>
+          </a:p>
+          <a:p>
+            <a:pPr marL="342900" indent="-342900" algn="l">
+              <a:buClr>
+                <a:srgbClr val="0070C0"/>
+              </a:buClr>
+              <a:buSzPct val="80000"/>
+              <a:buFont typeface="Wingdings" pitchFamily="2" charset="2"/>
+              <a:buChar char="u"/>
+            </a:pPr>
+            <a:r>
+              <a:rPr lang="en-US" sz="1800" dirty="0">
+                <a:solidFill>
+                  <a:schemeClr val="tx1"/>
+                </a:solidFill>
+              </a:rPr>
+              <a:t>In this case, we created a tensor using no data. We will create tensor using data.</a:t>
+            </a:r>
+          </a:p>
+          <a:p>
+            <a:pPr marL="342900" indent="-342900" algn="l">
+              <a:buClr>
+                <a:srgbClr val="0070C0"/>
+              </a:buClr>
+              <a:buSzPct val="80000"/>
+              <a:buFont typeface="Wingdings" pitchFamily="2" charset="2"/>
+              <a:buChar char="u"/>
+            </a:pPr>
+            <a:r>
+              <a:rPr lang="en-US" sz="1800" dirty="0">
+                <a:solidFill>
+                  <a:schemeClr val="tx1"/>
+                </a:solidFill>
+              </a:rPr>
+              <a:t>We want to study the tensor attributes. </a:t>
+            </a:r>
+          </a:p>
+          <a:p>
+            <a:pPr marL="342900" indent="-342900" algn="l">
+              <a:buClr>
+                <a:srgbClr val="0070C0"/>
+              </a:buClr>
+              <a:buSzPct val="80000"/>
+              <a:buFont typeface="Wingdings" pitchFamily="2" charset="2"/>
+              <a:buChar char="u"/>
+            </a:pPr>
+            <a:r>
+              <a:rPr lang="en-US" sz="1800" dirty="0">
+                <a:solidFill>
+                  <a:schemeClr val="tx1"/>
+                </a:solidFill>
+              </a:rPr>
+              <a:t>We already seen tensor attributes, such as, rank, axes, and shape. Those are fundamentals of tensor.</a:t>
+            </a:r>
+          </a:p>
+        </p:txBody>
+      </p:sp>
+      <p:sp>
+        <p:nvSpPr>
+          <p:cNvPr id="4" name="標題 1"/>
+          <p:cNvSpPr txBox="1">
+            <a:spLocks/>
+          </p:cNvSpPr>
+          <p:nvPr/>
+        </p:nvSpPr>
+        <p:spPr>
+          <a:xfrm>
+            <a:off x="0" y="764704"/>
+            <a:ext cx="9144000" cy="360040"/>
+          </a:xfrm>
+          <a:prstGeom prst="rect">
+            <a:avLst/>
+          </a:prstGeom>
+          <a:gradFill flip="none" rotWithShape="1">
+            <a:gsLst>
+              <a:gs pos="0">
+                <a:srgbClr val="00B0F0">
+                  <a:shade val="30000"/>
+                  <a:satMod val="115000"/>
+                </a:srgbClr>
+              </a:gs>
+              <a:gs pos="50000">
+                <a:srgbClr val="00B0F0">
+                  <a:shade val="67500"/>
+                  <a:satMod val="115000"/>
+                </a:srgbClr>
+              </a:gs>
+              <a:gs pos="100000">
+                <a:srgbClr val="00B0F0">
+                  <a:shade val="100000"/>
+                  <a:satMod val="115000"/>
+                </a:srgbClr>
+              </a:gs>
+            </a:gsLst>
+            <a:path path="circle">
+              <a:fillToRect t="100000" r="100000"/>
+            </a:path>
+            <a:tileRect l="-100000" b="-100000"/>
+          </a:gradFill>
+        </p:spPr>
+        <p:txBody>
+          <a:bodyPr vert="horz" lIns="91440" tIns="45720" rIns="91440" bIns="45720" rtlCol="0" anchor="ctr">
+            <a:normAutofit/>
+          </a:bodyPr>
+          <a:lstStyle/>
+          <a:p>
+            <a:pPr lvl="0">
+              <a:spcBef>
+                <a:spcPct val="0"/>
+              </a:spcBef>
+            </a:pPr>
+            <a:r>
+              <a:rPr lang="en-US" sz="1600" dirty="0">
+                <a:hlinkClick r:id="rId2"/>
+              </a:rPr>
+              <a:t>https://www.youtube.com/watch?v=jexkKugTg04&amp;list=PLZbbT5o_s2xrfNyHZsM6ufI0iZENK9xgG&amp;index=8</a:t>
+            </a:r>
+            <a:endParaRPr kumimoji="0" lang="zh-TW" altLang="en-US" sz="1600" b="0" i="0" u="none" strike="noStrike" kern="1200" cap="none" spc="0" normalizeH="0" baseline="0" noProof="0" dirty="0">
+              <a:ln>
+                <a:noFill/>
+              </a:ln>
+              <a:solidFill>
+                <a:schemeClr val="tx1"/>
+              </a:solidFill>
+              <a:effectLst/>
+              <a:uLnTx/>
+              <a:uFillTx/>
+              <a:latin typeface="+mj-lt"/>
+              <a:ea typeface="+mj-ea"/>
+              <a:cs typeface="+mj-cs"/>
+            </a:endParaRPr>
+          </a:p>
+        </p:txBody>
+      </p:sp>
+      <p:sp>
+        <p:nvSpPr>
+          <p:cNvPr id="5" name="日期版面配置區 4"/>
+          <p:cNvSpPr>
+            <a:spLocks noGrp="1"/>
+          </p:cNvSpPr>
+          <p:nvPr>
+            <p:ph type="dt" sz="half" idx="10"/>
+          </p:nvPr>
+        </p:nvSpPr>
+        <p:spPr/>
+        <p:txBody>
+          <a:bodyPr/>
+          <a:lstStyle/>
+          <a:p>
+            <a:fld id="{A4F910E6-8D00-4BAF-8C48-9688E0B449D3}" type="datetime1">
+              <a:rPr lang="zh-TW" altLang="en-US" smtClean="0"/>
+              <a:pPr/>
+              <a:t>2020/5/30</a:t>
+            </a:fld>
+            <a:endParaRPr lang="zh-TW" altLang="en-US"/>
+          </a:p>
+        </p:txBody>
+      </p:sp>
+      <p:sp>
+        <p:nvSpPr>
+          <p:cNvPr id="6" name="投影片編號版面配置區 5"/>
+          <p:cNvSpPr>
+            <a:spLocks noGrp="1"/>
+          </p:cNvSpPr>
+          <p:nvPr>
+            <p:ph type="sldNum" sz="quarter" idx="12"/>
+          </p:nvPr>
+        </p:nvSpPr>
+        <p:spPr/>
+        <p:txBody>
+          <a:bodyPr/>
+          <a:lstStyle/>
+          <a:p>
+            <a:fld id="{E4D7E63D-91F2-4366-A2C4-1B00C9E2590E}" type="slidenum">
+              <a:rPr lang="zh-TW" altLang="en-US" smtClean="0"/>
+              <a:pPr/>
+              <a:t>2</a:t>
+            </a:fld>
+            <a:endParaRPr lang="zh-TW" altLang="en-US"/>
+          </a:p>
+        </p:txBody>
+      </p:sp>
+    </p:spTree>
+    <p:extLst>
+      <p:ext uri="{BB962C8B-B14F-4D97-AF65-F5344CB8AC3E}">
+        <p14:creationId xmlns:p14="http://schemas.microsoft.com/office/powerpoint/2010/main" val="2129682234"/>
+      </p:ext>
+    </p:extLst>
+  </p:cSld>
+  <p:clrMapOvr>
+    <a:masterClrMapping/>
+  </p:clrMapOvr>
+</p:sld>
+</file>
+
+<file path=ppt/slides/slide3.xml><?xml version="1.0" encoding="utf-8"?>
+<p:sld xmlns:a="http://schemas.openxmlformats.org/drawingml/2006/main" xmlns:r="http://schemas.openxmlformats.org/officeDocument/2006/relationships" xmlns:p="http://schemas.openxmlformats.org/presentationml/2006/main">
+  <p:cSld>
+    <p:spTree>
+      <p:nvGrpSpPr>
+        <p:cNvPr id="1" name=""/>
+        <p:cNvGrpSpPr/>
+        <p:nvPr/>
+      </p:nvGrpSpPr>
+      <p:grpSpPr>
+        <a:xfrm>
+          <a:off x="0" y="0"/>
+          <a:ext cx="0" cy="0"/>
+          <a:chOff x="0" y="0"/>
+          <a:chExt cx="0" cy="0"/>
+        </a:xfrm>
+      </p:grpSpPr>
+      <p:sp>
+        <p:nvSpPr>
+          <p:cNvPr id="2" name="標題 1"/>
+          <p:cNvSpPr>
+            <a:spLocks noGrp="1"/>
+          </p:cNvSpPr>
+          <p:nvPr>
+            <p:ph type="ctrTitle"/>
+          </p:nvPr>
+        </p:nvSpPr>
+        <p:spPr>
+          <a:xfrm>
+            <a:off x="0" y="1"/>
+            <a:ext cx="9144000" cy="764704"/>
+          </a:xfrm>
+          <a:gradFill flip="none" rotWithShape="1">
+            <a:gsLst>
+              <a:gs pos="0">
+                <a:srgbClr val="C00000">
+                  <a:shade val="30000"/>
+                  <a:satMod val="115000"/>
+                </a:srgbClr>
+              </a:gs>
+              <a:gs pos="50000">
+                <a:srgbClr val="C00000">
+                  <a:shade val="67500"/>
+                  <a:satMod val="115000"/>
+                </a:srgbClr>
+              </a:gs>
+              <a:gs pos="100000">
+                <a:srgbClr val="C00000">
+                  <a:shade val="100000"/>
+                  <a:satMod val="115000"/>
+                </a:srgbClr>
+              </a:gs>
+            </a:gsLst>
+            <a:path path="circle">
+              <a:fillToRect t="100000" r="100000"/>
+            </a:path>
+            <a:tileRect l="-100000" b="-100000"/>
+          </a:gradFill>
+        </p:spPr>
+        <p:txBody>
+          <a:bodyPr>
+            <a:normAutofit/>
+          </a:bodyPr>
+          <a:lstStyle/>
+          <a:p>
+            <a:pPr algn="l"/>
+            <a:r>
+              <a:rPr lang="en-US" altLang="zh-TW" b="1" dirty="0">
+                <a:solidFill>
+                  <a:srgbClr val="FFFF00"/>
+                </a:solidFill>
+              </a:rPr>
+              <a:t>8 Create Tensor</a:t>
+            </a:r>
+            <a:endParaRPr lang="zh-TW" altLang="en-US" b="1" dirty="0">
+              <a:solidFill>
+                <a:srgbClr val="FFFF00"/>
+              </a:solidFill>
+            </a:endParaRPr>
+          </a:p>
+        </p:txBody>
+      </p:sp>
+      <p:sp>
+        <p:nvSpPr>
+          <p:cNvPr id="3" name="副標題 2"/>
+          <p:cNvSpPr>
+            <a:spLocks noGrp="1"/>
+          </p:cNvSpPr>
+          <p:nvPr>
+            <p:ph type="subTitle" idx="1"/>
+          </p:nvPr>
+        </p:nvSpPr>
+        <p:spPr>
+          <a:xfrm>
+            <a:off x="477664" y="1325451"/>
+            <a:ext cx="8352928" cy="2391581"/>
+          </a:xfrm>
+          <a:ln>
+            <a:solidFill>
+              <a:srgbClr val="C00000"/>
+            </a:solidFill>
+          </a:ln>
+        </p:spPr>
+        <p:txBody>
+          <a:bodyPr>
+            <a:noAutofit/>
+          </a:bodyPr>
+          <a:lstStyle/>
+          <a:p>
+            <a:pPr marL="342900" indent="-342900" algn="l">
+              <a:buClr>
+                <a:srgbClr val="0070C0"/>
+              </a:buClr>
+              <a:buSzPct val="80000"/>
+              <a:buFont typeface="Wingdings" pitchFamily="2" charset="2"/>
+              <a:buChar char="u"/>
+            </a:pPr>
+            <a:r>
+              <a:rPr lang="en-US" sz="1800" b="1" dirty="0">
+                <a:solidFill>
+                  <a:schemeClr val="tx1"/>
+                </a:solidFill>
+              </a:rPr>
+              <a:t>The attributes we will see of tensor are: </a:t>
+            </a:r>
+            <a:r>
+              <a:rPr lang="en-US" sz="1800" b="1" dirty="0" err="1">
+                <a:solidFill>
+                  <a:schemeClr val="tx1"/>
+                </a:solidFill>
+              </a:rPr>
+              <a:t>dtype</a:t>
+            </a:r>
+            <a:r>
+              <a:rPr lang="en-US" sz="1800" b="1" dirty="0">
+                <a:solidFill>
+                  <a:schemeClr val="tx1"/>
+                </a:solidFill>
+              </a:rPr>
+              <a:t>, device, and layout</a:t>
+            </a:r>
+          </a:p>
+          <a:p>
+            <a:pPr marL="342900" indent="-342900" algn="l">
+              <a:buClr>
+                <a:srgbClr val="0070C0"/>
+              </a:buClr>
+              <a:buSzPct val="80000"/>
+              <a:buFont typeface="Wingdings" pitchFamily="2" charset="2"/>
+              <a:buChar char="u"/>
+            </a:pPr>
+            <a:r>
+              <a:rPr lang="en-US" sz="1800" b="1" dirty="0">
+                <a:solidFill>
+                  <a:schemeClr val="tx1"/>
+                </a:solidFill>
+              </a:rPr>
+              <a:t>&gt; print (</a:t>
+            </a:r>
+            <a:r>
+              <a:rPr lang="en-US" sz="1800" b="1" dirty="0" err="1">
+                <a:solidFill>
+                  <a:schemeClr val="tx1"/>
+                </a:solidFill>
+              </a:rPr>
+              <a:t>t.dtype</a:t>
+            </a:r>
+            <a:r>
+              <a:rPr lang="en-US" sz="1800" b="1" dirty="0">
+                <a:solidFill>
+                  <a:schemeClr val="tx1"/>
+                </a:solidFill>
+              </a:rPr>
+              <a:t>)</a:t>
+            </a:r>
+          </a:p>
+          <a:p>
+            <a:pPr marL="342900" indent="-342900" algn="l">
+              <a:buClr>
+                <a:srgbClr val="0070C0"/>
+              </a:buClr>
+              <a:buSzPct val="80000"/>
+              <a:buFont typeface="Wingdings" pitchFamily="2" charset="2"/>
+              <a:buChar char="u"/>
+            </a:pPr>
+            <a:r>
+              <a:rPr lang="en-US" sz="1800" b="1" dirty="0">
+                <a:solidFill>
+                  <a:schemeClr val="tx1"/>
+                </a:solidFill>
+              </a:rPr>
+              <a:t>&gt;&gt; torch.float32</a:t>
+            </a:r>
+          </a:p>
+          <a:p>
+            <a:pPr marL="342900" indent="-342900" algn="l">
+              <a:buClr>
+                <a:srgbClr val="0070C0"/>
+              </a:buClr>
+              <a:buSzPct val="80000"/>
+              <a:buFont typeface="Wingdings" pitchFamily="2" charset="2"/>
+              <a:buChar char="u"/>
+            </a:pPr>
+            <a:r>
+              <a:rPr lang="en-US" sz="1800" b="1" dirty="0">
+                <a:solidFill>
+                  <a:schemeClr val="tx1"/>
+                </a:solidFill>
+              </a:rPr>
+              <a:t>&gt; print(</a:t>
+            </a:r>
+            <a:r>
+              <a:rPr lang="en-US" sz="1800" b="1" dirty="0" err="1">
+                <a:solidFill>
+                  <a:schemeClr val="tx1"/>
+                </a:solidFill>
+              </a:rPr>
+              <a:t>t.device</a:t>
+            </a:r>
+            <a:r>
+              <a:rPr lang="en-US" sz="1800" b="1" dirty="0">
+                <a:solidFill>
+                  <a:schemeClr val="tx1"/>
+                </a:solidFill>
+              </a:rPr>
+              <a:t>)</a:t>
+            </a:r>
+          </a:p>
+          <a:p>
+            <a:pPr marL="342900" indent="-342900" algn="l">
+              <a:buClr>
+                <a:srgbClr val="0070C0"/>
+              </a:buClr>
+              <a:buSzPct val="80000"/>
+              <a:buFont typeface="Wingdings" pitchFamily="2" charset="2"/>
+              <a:buChar char="u"/>
+            </a:pPr>
+            <a:r>
+              <a:rPr lang="en-US" sz="1800" b="1" dirty="0">
+                <a:solidFill>
+                  <a:schemeClr val="tx1"/>
+                </a:solidFill>
+              </a:rPr>
+              <a:t>&gt;&gt; </a:t>
+            </a:r>
+            <a:r>
+              <a:rPr lang="en-US" sz="1800" b="1" dirty="0" err="1">
+                <a:solidFill>
+                  <a:schemeClr val="tx1"/>
+                </a:solidFill>
+              </a:rPr>
+              <a:t>cpu</a:t>
+            </a:r>
+            <a:r>
+              <a:rPr lang="en-US" sz="1800" b="1" dirty="0">
+                <a:solidFill>
+                  <a:schemeClr val="tx1"/>
+                </a:solidFill>
+              </a:rPr>
+              <a:t>  </a:t>
+            </a:r>
+          </a:p>
+          <a:p>
+            <a:pPr marL="342900" indent="-342900" algn="l">
+              <a:buClr>
+                <a:srgbClr val="0070C0"/>
+              </a:buClr>
+              <a:buSzPct val="80000"/>
+              <a:buFont typeface="Wingdings" pitchFamily="2" charset="2"/>
+              <a:buChar char="u"/>
+            </a:pPr>
+            <a:r>
+              <a:rPr lang="en-US" sz="1800" b="1" dirty="0">
+                <a:solidFill>
+                  <a:schemeClr val="tx1"/>
+                </a:solidFill>
+              </a:rPr>
+              <a:t>&gt; print(</a:t>
+            </a:r>
+            <a:r>
+              <a:rPr lang="en-US" sz="1800" b="1" dirty="0" err="1">
+                <a:solidFill>
+                  <a:schemeClr val="tx1"/>
+                </a:solidFill>
+              </a:rPr>
+              <a:t>t.layout</a:t>
+            </a:r>
+            <a:r>
+              <a:rPr lang="en-US" sz="1800" b="1" dirty="0">
+                <a:solidFill>
+                  <a:schemeClr val="tx1"/>
+                </a:solidFill>
+              </a:rPr>
+              <a:t>)</a:t>
+            </a:r>
+          </a:p>
+          <a:p>
+            <a:pPr marL="342900" indent="-342900" algn="l">
+              <a:buClr>
+                <a:srgbClr val="0070C0"/>
+              </a:buClr>
+              <a:buSzPct val="80000"/>
+              <a:buFont typeface="Wingdings" pitchFamily="2" charset="2"/>
+              <a:buChar char="u"/>
+            </a:pPr>
+            <a:r>
+              <a:rPr lang="en-US" sz="1800" b="1" dirty="0">
+                <a:solidFill>
+                  <a:schemeClr val="tx1"/>
+                </a:solidFill>
+              </a:rPr>
+              <a:t>&gt;&gt; </a:t>
+            </a:r>
+            <a:r>
+              <a:rPr lang="en-US" sz="1800" b="1" dirty="0" err="1">
+                <a:solidFill>
+                  <a:schemeClr val="tx1"/>
+                </a:solidFill>
+              </a:rPr>
+              <a:t>torch.strided</a:t>
+            </a:r>
+            <a:endParaRPr lang="en-US" sz="1800" b="1" dirty="0">
+              <a:solidFill>
+                <a:schemeClr val="tx1"/>
+              </a:solidFill>
+            </a:endParaRPr>
+          </a:p>
+        </p:txBody>
+      </p:sp>
+      <p:sp>
+        <p:nvSpPr>
+          <p:cNvPr id="4" name="標題 1"/>
+          <p:cNvSpPr txBox="1">
+            <a:spLocks/>
+          </p:cNvSpPr>
+          <p:nvPr/>
+        </p:nvSpPr>
+        <p:spPr>
+          <a:xfrm>
+            <a:off x="0" y="764704"/>
+            <a:ext cx="9144000" cy="360040"/>
+          </a:xfrm>
+          <a:prstGeom prst="rect">
+            <a:avLst/>
+          </a:prstGeom>
+          <a:gradFill flip="none" rotWithShape="1">
+            <a:gsLst>
+              <a:gs pos="0">
+                <a:srgbClr val="00B0F0">
+                  <a:shade val="30000"/>
+                  <a:satMod val="115000"/>
+                </a:srgbClr>
+              </a:gs>
+              <a:gs pos="50000">
+                <a:srgbClr val="00B0F0">
+                  <a:shade val="67500"/>
+                  <a:satMod val="115000"/>
+                </a:srgbClr>
+              </a:gs>
+              <a:gs pos="100000">
+                <a:srgbClr val="00B0F0">
+                  <a:shade val="100000"/>
+                  <a:satMod val="115000"/>
+                </a:srgbClr>
+              </a:gs>
+            </a:gsLst>
+            <a:path path="circle">
+              <a:fillToRect t="100000" r="100000"/>
+            </a:path>
+            <a:tileRect l="-100000" b="-100000"/>
+          </a:gradFill>
+        </p:spPr>
+        <p:txBody>
+          <a:bodyPr vert="horz" lIns="91440" tIns="45720" rIns="91440" bIns="45720" rtlCol="0" anchor="ctr">
+            <a:normAutofit/>
+          </a:bodyPr>
+          <a:lstStyle/>
+          <a:p>
+            <a:pPr lvl="0">
+              <a:spcBef>
+                <a:spcPct val="0"/>
+              </a:spcBef>
+            </a:pPr>
+            <a:r>
+              <a:rPr lang="en-US" sz="1600" dirty="0">
+                <a:hlinkClick r:id="rId2"/>
+              </a:rPr>
+              <a:t>https://www.youtube.com/watch?v=jexkKugTg04&amp;list=PLZbbT5o_s2xrfNyHZsM6ufI0iZENK9xgG&amp;index=8</a:t>
+            </a:r>
+            <a:endParaRPr kumimoji="0" lang="zh-TW" altLang="en-US" sz="1600" b="0" i="0" u="none" strike="noStrike" kern="1200" cap="none" spc="0" normalizeH="0" baseline="0" noProof="0" dirty="0">
+              <a:ln>
+                <a:noFill/>
+              </a:ln>
+              <a:solidFill>
+                <a:schemeClr val="tx1"/>
+              </a:solidFill>
+              <a:effectLst/>
+              <a:uLnTx/>
+              <a:uFillTx/>
+              <a:latin typeface="+mj-lt"/>
+              <a:ea typeface="+mj-ea"/>
+              <a:cs typeface="+mj-cs"/>
+            </a:endParaRPr>
+          </a:p>
+        </p:txBody>
+      </p:sp>
+      <p:sp>
+        <p:nvSpPr>
+          <p:cNvPr id="5" name="日期版面配置區 4"/>
+          <p:cNvSpPr>
+            <a:spLocks noGrp="1"/>
+          </p:cNvSpPr>
+          <p:nvPr>
+            <p:ph type="dt" sz="half" idx="10"/>
+          </p:nvPr>
+        </p:nvSpPr>
+        <p:spPr/>
+        <p:txBody>
+          <a:bodyPr/>
+          <a:lstStyle/>
+          <a:p>
+            <a:fld id="{A4F910E6-8D00-4BAF-8C48-9688E0B449D3}" type="datetime1">
+              <a:rPr lang="zh-TW" altLang="en-US" smtClean="0"/>
+              <a:pPr/>
+              <a:t>2020/5/30</a:t>
             </a:fld>
             <a:endParaRPr lang="zh-TW" altLang="en-US"/>
           </a:p>
@@ -5380,7 +6396,7 @@
             <a:fld id="{A4F910E6-8D00-4BAF-8C48-9688E0B449D3}" type="datetime1">
               <a:rPr lang="zh-TW" altLang="en-US" smtClean="0"/>
               <a:pPr/>
-              <a:t>2020/5/22</a:t>
+              <a:t>2020/5/30</a:t>
             </a:fld>
             <a:endParaRPr lang="zh-TW" altLang="en-US"/>
           </a:p>
@@ -5794,7 +6810,7 @@
             <a:fld id="{A4F910E6-8D00-4BAF-8C48-9688E0B449D3}" type="datetime1">
               <a:rPr lang="zh-TW" altLang="en-US" smtClean="0"/>
               <a:pPr/>
-              <a:t>2020/5/22</a:t>
+              <a:t>2020/5/30</a:t>
             </a:fld>
             <a:endParaRPr lang="zh-TW" altLang="en-US"/>
           </a:p>
@@ -5948,7 +6964,7 @@
             <a:fld id="{C389EDC9-19E3-47AC-9C57-C6A24DEA81AD}" type="datetime1">
               <a:rPr lang="zh-TW" altLang="en-US" smtClean="0"/>
               <a:pPr/>
-              <a:t>2020/5/22</a:t>
+              <a:t>2020/5/30</a:t>
             </a:fld>
             <a:endParaRPr lang="zh-TW" altLang="en-US"/>
           </a:p>
@@ -6614,7 +7630,7 @@
             <a:fld id="{A4F910E6-8D00-4BAF-8C48-9688E0B449D3}" type="datetime1">
               <a:rPr lang="zh-TW" altLang="en-US" smtClean="0"/>
               <a:pPr/>
-              <a:t>2020/5/22</a:t>
+              <a:t>2020/5/30</a:t>
             </a:fld>
             <a:endParaRPr lang="zh-TW" altLang="en-US"/>
           </a:p>
@@ -6895,7 +7911,7 @@
             <a:fld id="{A4F910E6-8D00-4BAF-8C48-9688E0B449D3}" type="datetime1">
               <a:rPr lang="zh-TW" altLang="en-US" smtClean="0"/>
               <a:pPr/>
-              <a:t>2020/5/22</a:t>
+              <a:t>2020/5/30</a:t>
             </a:fld>
             <a:endParaRPr lang="zh-TW" altLang="en-US"/>
           </a:p>
@@ -7049,7 +8065,7 @@
             <a:fld id="{C389EDC9-19E3-47AC-9C57-C6A24DEA81AD}" type="datetime1">
               <a:rPr lang="zh-TW" altLang="en-US" smtClean="0"/>
               <a:pPr/>
-              <a:t>2020/5/22</a:t>
+              <a:t>2020/5/30</a:t>
             </a:fld>
             <a:endParaRPr lang="zh-TW" altLang="en-US"/>
           </a:p>

--- a/08_CreateTensor.pptx
+++ b/08_CreateTensor.pptx
@@ -222,7 +222,7 @@
             <a:fld id="{6837EDA8-41C8-4B24-A206-13C08A65A6D7}" type="datetimeFigureOut">
               <a:rPr lang="zh-TW" altLang="en-US" smtClean="0"/>
               <a:pPr/>
-              <a:t>2020/5/30</a:t>
+              <a:t>2020/5/31</a:t>
             </a:fld>
             <a:endParaRPr lang="zh-TW" altLang="en-US"/>
           </a:p>
@@ -675,7 +675,7 @@
             <a:fld id="{8B85509C-BD4F-47BF-9B1E-FC2E949B3621}" type="datetime1">
               <a:rPr lang="zh-TW" altLang="en-US" smtClean="0"/>
               <a:pPr/>
-              <a:t>2020/5/30</a:t>
+              <a:t>2020/5/31</a:t>
             </a:fld>
             <a:endParaRPr lang="zh-TW" altLang="en-US"/>
           </a:p>
@@ -848,7 +848,7 @@
             <a:fld id="{42251B24-F787-4C15-8A0F-7AEC20C70069}" type="datetime1">
               <a:rPr lang="zh-TW" altLang="en-US" smtClean="0"/>
               <a:pPr/>
-              <a:t>2020/5/30</a:t>
+              <a:t>2020/5/31</a:t>
             </a:fld>
             <a:endParaRPr lang="zh-TW" altLang="en-US"/>
           </a:p>
@@ -1023,7 +1023,7 @@
             <a:fld id="{9CA0D33C-CE2B-45F1-B8D4-FFD1F131F331}" type="datetime1">
               <a:rPr lang="zh-TW" altLang="en-US" smtClean="0"/>
               <a:pPr/>
-              <a:t>2020/5/30</a:t>
+              <a:t>2020/5/31</a:t>
             </a:fld>
             <a:endParaRPr lang="zh-TW" altLang="en-US"/>
           </a:p>
@@ -1188,7 +1188,7 @@
             <a:fld id="{50B99440-D9EF-40CC-9B52-F6428D9B2C76}" type="datetime1">
               <a:rPr lang="zh-TW" altLang="en-US" smtClean="0"/>
               <a:pPr/>
-              <a:t>2020/5/30</a:t>
+              <a:t>2020/5/31</a:t>
             </a:fld>
             <a:endParaRPr lang="zh-TW" altLang="en-US"/>
           </a:p>
@@ -1430,7 +1430,7 @@
             <a:fld id="{0871BF52-5C6C-4959-8E27-CECB68D39FE4}" type="datetime1">
               <a:rPr lang="zh-TW" altLang="en-US" smtClean="0"/>
               <a:pPr/>
-              <a:t>2020/5/30</a:t>
+              <a:t>2020/5/31</a:t>
             </a:fld>
             <a:endParaRPr lang="zh-TW" altLang="en-US"/>
           </a:p>
@@ -1712,7 +1712,7 @@
             <a:fld id="{DF863F05-2DD9-4EB1-A827-12FD992DE9DC}" type="datetime1">
               <a:rPr lang="zh-TW" altLang="en-US" smtClean="0"/>
               <a:pPr/>
-              <a:t>2020/5/30</a:t>
+              <a:t>2020/5/31</a:t>
             </a:fld>
             <a:endParaRPr lang="zh-TW" altLang="en-US"/>
           </a:p>
@@ -2128,7 +2128,7 @@
             <a:fld id="{6339AF51-4491-4873-A096-75DB6CE47516}" type="datetime1">
               <a:rPr lang="zh-TW" altLang="en-US" smtClean="0"/>
               <a:pPr/>
-              <a:t>2020/5/30</a:t>
+              <a:t>2020/5/31</a:t>
             </a:fld>
             <a:endParaRPr lang="zh-TW" altLang="en-US"/>
           </a:p>
@@ -2242,7 +2242,7 @@
             <a:fld id="{EE4AD9C8-8B9E-40FF-ABE2-858AC2057BBB}" type="datetime1">
               <a:rPr lang="zh-TW" altLang="en-US" smtClean="0"/>
               <a:pPr/>
-              <a:t>2020/5/30</a:t>
+              <a:t>2020/5/31</a:t>
             </a:fld>
             <a:endParaRPr lang="zh-TW" altLang="en-US"/>
           </a:p>
@@ -2334,7 +2334,7 @@
             <a:fld id="{B4784999-BBBE-4BE4-A8D0-877E7D1D66CC}" type="datetime1">
               <a:rPr lang="zh-TW" altLang="en-US" smtClean="0"/>
               <a:pPr/>
-              <a:t>2020/5/30</a:t>
+              <a:t>2020/5/31</a:t>
             </a:fld>
             <a:endParaRPr lang="zh-TW" altLang="en-US"/>
           </a:p>
@@ -2606,7 +2606,7 @@
             <a:fld id="{E88D17E6-02BD-4944-B9FE-7BFCCBF83D48}" type="datetime1">
               <a:rPr lang="zh-TW" altLang="en-US" smtClean="0"/>
               <a:pPr/>
-              <a:t>2020/5/30</a:t>
+              <a:t>2020/5/31</a:t>
             </a:fld>
             <a:endParaRPr lang="zh-TW" altLang="en-US"/>
           </a:p>
@@ -2855,7 +2855,7 @@
             <a:fld id="{3C13E23D-1FEF-4D78-A3A3-3D6F2BB31954}" type="datetime1">
               <a:rPr lang="zh-TW" altLang="en-US" smtClean="0"/>
               <a:pPr/>
-              <a:t>2020/5/30</a:t>
+              <a:t>2020/5/31</a:t>
             </a:fld>
             <a:endParaRPr lang="zh-TW" altLang="en-US"/>
           </a:p>
@@ -3063,7 +3063,7 @@
             <a:fld id="{06197F35-AD6F-4594-8B50-334492D2E7E8}" type="datetime1">
               <a:rPr lang="zh-TW" altLang="en-US" smtClean="0"/>
               <a:pPr/>
-              <a:t>2020/5/30</a:t>
+              <a:t>2020/5/31</a:t>
             </a:fld>
             <a:endParaRPr lang="zh-TW" altLang="en-US"/>
           </a:p>
@@ -3524,7 +3524,7 @@
             <a:fld id="{C389EDC9-19E3-47AC-9C57-C6A24DEA81AD}" type="datetime1">
               <a:rPr lang="zh-TW" altLang="en-US" smtClean="0"/>
               <a:pPr/>
-              <a:t>2020/5/30</a:t>
+              <a:t>2020/5/31</a:t>
             </a:fld>
             <a:endParaRPr lang="zh-TW" altLang="en-US"/>
           </a:p>
@@ -3830,7 +3830,7 @@
             <a:fld id="{A4F910E6-8D00-4BAF-8C48-9688E0B449D3}" type="datetime1">
               <a:rPr lang="zh-TW" altLang="en-US" smtClean="0"/>
               <a:pPr/>
-              <a:t>2020/5/30</a:t>
+              <a:t>2020/5/31</a:t>
             </a:fld>
             <a:endParaRPr lang="zh-TW" altLang="en-US"/>
           </a:p>
@@ -3984,7 +3984,7 @@
             <a:fld id="{C389EDC9-19E3-47AC-9C57-C6A24DEA81AD}" type="datetime1">
               <a:rPr lang="zh-TW" altLang="en-US" smtClean="0"/>
               <a:pPr/>
-              <a:t>2020/5/30</a:t>
+              <a:t>2020/5/31</a:t>
             </a:fld>
             <a:endParaRPr lang="zh-TW" altLang="en-US"/>
           </a:p>
@@ -4295,7 +4295,7 @@
             <a:fld id="{A4F910E6-8D00-4BAF-8C48-9688E0B449D3}" type="datetime1">
               <a:rPr lang="zh-TW" altLang="en-US" smtClean="0"/>
               <a:pPr/>
-              <a:t>2020/5/30</a:t>
+              <a:t>2020/5/31</a:t>
             </a:fld>
             <a:endParaRPr lang="zh-TW" altLang="en-US"/>
           </a:p>
@@ -4611,7 +4611,7 @@
             <a:fld id="{A4F910E6-8D00-4BAF-8C48-9688E0B449D3}" type="datetime1">
               <a:rPr lang="zh-TW" altLang="en-US" smtClean="0"/>
               <a:pPr/>
-              <a:t>2020/5/30</a:t>
+              <a:t>2020/5/31</a:t>
             </a:fld>
             <a:endParaRPr lang="zh-TW" altLang="en-US"/>
           </a:p>
@@ -5020,7 +5020,7 @@
             <a:fld id="{4E46BE27-E923-4EC2-B046-3272AE2A3E5C}" type="datetime1">
               <a:rPr lang="zh-TW" altLang="en-US" smtClean="0"/>
               <a:pPr/>
-              <a:t>2020/5/30</a:t>
+              <a:t>2020/5/31</a:t>
             </a:fld>
             <a:endParaRPr lang="zh-TW" altLang="en-US"/>
           </a:p>
@@ -5545,7 +5545,7 @@
             <a:fld id="{A4F910E6-8D00-4BAF-8C48-9688E0B449D3}" type="datetime1">
               <a:rPr lang="zh-TW" altLang="en-US" smtClean="0"/>
               <a:pPr/>
-              <a:t>2020/5/30</a:t>
+              <a:t>2020/5/31</a:t>
             </a:fld>
             <a:endParaRPr lang="zh-TW" altLang="en-US"/>
           </a:p>
@@ -6012,7 +6012,7 @@
             <a:fld id="{A4F910E6-8D00-4BAF-8C48-9688E0B449D3}" type="datetime1">
               <a:rPr lang="zh-TW" altLang="en-US" smtClean="0"/>
               <a:pPr/>
-              <a:t>2020/5/30</a:t>
+              <a:t>2020/5/31</a:t>
             </a:fld>
             <a:endParaRPr lang="zh-TW" altLang="en-US"/>
           </a:p>
@@ -6396,7 +6396,7 @@
             <a:fld id="{A4F910E6-8D00-4BAF-8C48-9688E0B449D3}" type="datetime1">
               <a:rPr lang="zh-TW" altLang="en-US" smtClean="0"/>
               <a:pPr/>
-              <a:t>2020/5/30</a:t>
+              <a:t>2020/5/31</a:t>
             </a:fld>
             <a:endParaRPr lang="zh-TW" altLang="en-US"/>
           </a:p>
@@ -6810,7 +6810,7 @@
             <a:fld id="{A4F910E6-8D00-4BAF-8C48-9688E0B449D3}" type="datetime1">
               <a:rPr lang="zh-TW" altLang="en-US" smtClean="0"/>
               <a:pPr/>
-              <a:t>2020/5/30</a:t>
+              <a:t>2020/5/31</a:t>
             </a:fld>
             <a:endParaRPr lang="zh-TW" altLang="en-US"/>
           </a:p>
@@ -6964,7 +6964,7 @@
             <a:fld id="{C389EDC9-19E3-47AC-9C57-C6A24DEA81AD}" type="datetime1">
               <a:rPr lang="zh-TW" altLang="en-US" smtClean="0"/>
               <a:pPr/>
-              <a:t>2020/5/30</a:t>
+              <a:t>2020/5/31</a:t>
             </a:fld>
             <a:endParaRPr lang="zh-TW" altLang="en-US"/>
           </a:p>
@@ -7630,7 +7630,7 @@
             <a:fld id="{A4F910E6-8D00-4BAF-8C48-9688E0B449D3}" type="datetime1">
               <a:rPr lang="zh-TW" altLang="en-US" smtClean="0"/>
               <a:pPr/>
-              <a:t>2020/5/30</a:t>
+              <a:t>2020/5/31</a:t>
             </a:fld>
             <a:endParaRPr lang="zh-TW" altLang="en-US"/>
           </a:p>
@@ -7911,7 +7911,7 @@
             <a:fld id="{A4F910E6-8D00-4BAF-8C48-9688E0B449D3}" type="datetime1">
               <a:rPr lang="zh-TW" altLang="en-US" smtClean="0"/>
               <a:pPr/>
-              <a:t>2020/5/30</a:t>
+              <a:t>2020/5/31</a:t>
             </a:fld>
             <a:endParaRPr lang="zh-TW" altLang="en-US"/>
           </a:p>
@@ -8065,7 +8065,7 @@
             <a:fld id="{C389EDC9-19E3-47AC-9C57-C6A24DEA81AD}" type="datetime1">
               <a:rPr lang="zh-TW" altLang="en-US" smtClean="0"/>
               <a:pPr/>
-              <a:t>2020/5/30</a:t>
+              <a:t>2020/5/31</a:t>
             </a:fld>
             <a:endParaRPr lang="zh-TW" altLang="en-US"/>
           </a:p>
